--- a/Apresentações/Desenvolvimento para dispositivos móveis.pptx
+++ b/Apresentações/Desenvolvimento para dispositivos móveis.pptx
@@ -8,6 +8,7 @@
     <p:sldId id="256" r:id="rId2"/>
     <p:sldId id="258" r:id="rId3"/>
     <p:sldId id="257" r:id="rId4"/>
+    <p:sldId id="259" r:id="rId5"/>
   </p:sldIdLst>
   <p:sldSz cx="12192000" cy="6858000"/>
   <p:notesSz cx="6858000" cy="9144000"/>
@@ -106,13 +107,18 @@
       </a:defRPr>
     </a:lvl9pPr>
   </p:defaultTextStyle>
+  <p:extLst>
+    <p:ext uri="{EFAFB233-063F-42B5-8137-9DF3F51BA10A}">
+      <p15:sldGuideLst xmlns:p15="http://schemas.microsoft.com/office/powerpoint/2012/main"/>
+    </p:ext>
+  </p:extLst>
 </p:presentation>
 </file>
 
 <file path=ppt/charts/chart1.xml><?xml version="1.0" encoding="utf-8"?>
 <c:chartSpace xmlns:c="http://schemas.openxmlformats.org/drawingml/2006/chart" xmlns:a="http://schemas.openxmlformats.org/drawingml/2006/main" xmlns:r="http://schemas.openxmlformats.org/officeDocument/2006/relationships" xmlns:c16r2="http://schemas.microsoft.com/office/drawing/2015/06/chart">
   <c:date1904 val="0"/>
-  <c:lang val="pt-BR"/>
+  <c:lang val="en-US"/>
   <c:roundedCorners val="0"/>
   <mc:AlternateContent xmlns:mc="http://schemas.openxmlformats.org/markup-compatibility/2006">
     <mc:Choice xmlns:c14="http://schemas.microsoft.com/office/drawing/2007/8/2/chart" Requires="c14">
@@ -123,220 +129,11 @@
     </mc:Fallback>
   </mc:AlternateContent>
   <c:chart>
-    <c:title>
-      <c:layout/>
-      <c:overlay val="0"/>
-      <c:spPr>
-        <a:noFill/>
-        <a:ln>
-          <a:noFill/>
-        </a:ln>
-        <a:effectLst/>
-      </c:spPr>
-      <c:txPr>
-        <a:bodyPr rot="0" spcFirstLastPara="1" vertOverflow="ellipsis" vert="horz" wrap="square" anchor="ctr" anchorCtr="1"/>
-        <a:lstStyle/>
-        <a:p>
-          <a:pPr>
-            <a:defRPr sz="1862" b="0" i="0" u="none" strike="noStrike" kern="1200" spc="0" baseline="0">
-              <a:solidFill>
-                <a:schemeClr val="tx1">
-                  <a:lumMod val="65000"/>
-                  <a:lumOff val="35000"/>
-                </a:schemeClr>
-              </a:solidFill>
-              <a:latin typeface="+mn-lt"/>
-              <a:ea typeface="+mn-ea"/>
-              <a:cs typeface="+mn-cs"/>
-            </a:defRPr>
-          </a:pPr>
-          <a:endParaRPr lang="pt-BR"/>
-        </a:p>
-      </c:txPr>
-    </c:title>
     <c:autoTitleDeleted val="0"/>
     <c:plotArea>
       <c:layout/>
       <c:pieChart>
         <c:varyColors val="1"/>
-        <c:ser>
-          <c:idx val="0"/>
-          <c:order val="0"/>
-          <c:tx>
-            <c:strRef>
-              <c:f>Planilha1!$B$1</c:f>
-              <c:strCache>
-                <c:ptCount val="1"/>
-                <c:pt idx="0">
-                  <c:v>% Mercado</c:v>
-                </c:pt>
-              </c:strCache>
-            </c:strRef>
-          </c:tx>
-          <c:dPt>
-            <c:idx val="0"/>
-            <c:bubble3D val="0"/>
-            <c:spPr>
-              <a:solidFill>
-                <a:schemeClr val="accent1"/>
-              </a:solidFill>
-              <a:ln w="19050">
-                <a:solidFill>
-                  <a:schemeClr val="lt1"/>
-                </a:solidFill>
-              </a:ln>
-              <a:effectLst/>
-            </c:spPr>
-          </c:dPt>
-          <c:dPt>
-            <c:idx val="1"/>
-            <c:bubble3D val="0"/>
-            <c:spPr>
-              <a:solidFill>
-                <a:schemeClr val="accent2"/>
-              </a:solidFill>
-              <a:ln w="19050">
-                <a:solidFill>
-                  <a:schemeClr val="lt1"/>
-                </a:solidFill>
-              </a:ln>
-              <a:effectLst/>
-            </c:spPr>
-          </c:dPt>
-          <c:dPt>
-            <c:idx val="2"/>
-            <c:bubble3D val="0"/>
-            <c:spPr>
-              <a:solidFill>
-                <a:schemeClr val="accent3"/>
-              </a:solidFill>
-              <a:ln w="19050">
-                <a:solidFill>
-                  <a:schemeClr val="lt1"/>
-                </a:solidFill>
-              </a:ln>
-              <a:effectLst/>
-            </c:spPr>
-          </c:dPt>
-          <c:dPt>
-            <c:idx val="3"/>
-            <c:bubble3D val="0"/>
-            <c:spPr>
-              <a:solidFill>
-                <a:schemeClr val="accent4"/>
-              </a:solidFill>
-              <a:ln w="19050">
-                <a:solidFill>
-                  <a:schemeClr val="lt1"/>
-                </a:solidFill>
-              </a:ln>
-              <a:effectLst/>
-            </c:spPr>
-          </c:dPt>
-          <c:dLbls>
-            <c:spPr>
-              <a:noFill/>
-              <a:ln>
-                <a:noFill/>
-              </a:ln>
-              <a:effectLst/>
-            </c:spPr>
-            <c:txPr>
-              <a:bodyPr rot="0" spcFirstLastPara="1" vertOverflow="ellipsis" vert="horz" wrap="square" lIns="38100" tIns="19050" rIns="38100" bIns="19050" anchor="ctr" anchorCtr="1">
-                <a:spAutoFit/>
-              </a:bodyPr>
-              <a:lstStyle/>
-              <a:p>
-                <a:pPr>
-                  <a:defRPr sz="1197" b="0" i="0" u="none" strike="noStrike" kern="1200" baseline="0">
-                    <a:solidFill>
-                      <a:schemeClr val="tx1">
-                        <a:lumMod val="75000"/>
-                        <a:lumOff val="25000"/>
-                      </a:schemeClr>
-                    </a:solidFill>
-                    <a:latin typeface="+mn-lt"/>
-                    <a:ea typeface="+mn-ea"/>
-                    <a:cs typeface="+mn-cs"/>
-                  </a:defRPr>
-                </a:pPr>
-                <a:endParaRPr lang="pt-BR"/>
-              </a:p>
-            </c:txPr>
-            <c:showLegendKey val="0"/>
-            <c:showVal val="1"/>
-            <c:showCatName val="0"/>
-            <c:showSerName val="0"/>
-            <c:showPercent val="0"/>
-            <c:showBubbleSize val="0"/>
-            <c:showLeaderLines val="1"/>
-            <c:leaderLines>
-              <c:spPr>
-                <a:ln w="9525" cap="flat" cmpd="sng" algn="ctr">
-                  <a:solidFill>
-                    <a:schemeClr val="tx1">
-                      <a:lumMod val="35000"/>
-                      <a:lumOff val="65000"/>
-                    </a:schemeClr>
-                  </a:solidFill>
-                  <a:round/>
-                </a:ln>
-                <a:effectLst/>
-              </c:spPr>
-            </c:leaderLines>
-            <c:extLst>
-              <c:ext xmlns:c15="http://schemas.microsoft.com/office/drawing/2012/chart" uri="{CE6537A1-D6FC-4f65-9D91-7224C49458BB}">
-                <c15:layout/>
-              </c:ext>
-            </c:extLst>
-          </c:dLbls>
-          <c:cat>
-            <c:strRef>
-              <c:f>Planilha1!$A$2:$A$5</c:f>
-              <c:strCache>
-                <c:ptCount val="4"/>
-                <c:pt idx="0">
-                  <c:v>Android</c:v>
-                </c:pt>
-                <c:pt idx="1">
-                  <c:v>iOS</c:v>
-                </c:pt>
-                <c:pt idx="2">
-                  <c:v>Windows Mobile</c:v>
-                </c:pt>
-                <c:pt idx="3">
-                  <c:v>Outros</c:v>
-                </c:pt>
-              </c:strCache>
-            </c:strRef>
-          </c:cat>
-          <c:val>
-            <c:numRef>
-              <c:f>Planilha1!$B$2:$B$5</c:f>
-              <c:numCache>
-                <c:formatCode>0.00%</c:formatCode>
-                <c:ptCount val="4"/>
-                <c:pt idx="0">
-                  <c:v>0.876</c:v>
-                </c:pt>
-                <c:pt idx="1">
-                  <c:v>0.14699999999999999</c:v>
-                </c:pt>
-                <c:pt idx="2">
-                  <c:v>1E-3</c:v>
-                </c:pt>
-                <c:pt idx="3">
-                  <c:v>1E-3</c:v>
-                </c:pt>
-              </c:numCache>
-            </c:numRef>
-          </c:val>
-          <c:extLst>
-            <c:ext xmlns:c16="http://schemas.microsoft.com/office/drawing/2014/chart" uri="{C3380CC4-5D6E-409C-BE32-E72D297353CC}">
-              <c16:uniqueId val="{00000000-4D53-4838-84C3-917D4D2A2BA6}"/>
-            </c:ext>
-          </c:extLst>
-        </c:ser>
         <c:dLbls>
           <c:showLegendKey val="0"/>
           <c:showVal val="0"/>
@@ -344,7 +141,7 @@
           <c:showSerName val="0"/>
           <c:showPercent val="0"/>
           <c:showBubbleSize val="0"/>
-          <c:showLeaderLines val="1"/>
+          <c:showLeaderLines val="0"/>
         </c:dLbls>
         <c:firstSliceAng val="0"/>
       </c:pieChart>
@@ -358,7 +155,6 @@
     </c:plotArea>
     <c:legend>
       <c:legendPos val="b"/>
-      <c:layout/>
       <c:overlay val="0"/>
       <c:spPr>
         <a:noFill/>
@@ -390,6 +186,888 @@
     </c:legend>
     <c:plotVisOnly val="1"/>
     <c:dispBlanksAs val="gap"/>
+    <c:showDLblsOverMax val="0"/>
+  </c:chart>
+  <c:spPr>
+    <a:noFill/>
+    <a:ln>
+      <a:noFill/>
+    </a:ln>
+    <a:effectLst/>
+  </c:spPr>
+  <c:txPr>
+    <a:bodyPr/>
+    <a:lstStyle/>
+    <a:p>
+      <a:pPr>
+        <a:defRPr/>
+      </a:pPr>
+      <a:endParaRPr lang="pt-BR"/>
+    </a:p>
+  </c:txPr>
+  <c:externalData r:id="rId3">
+    <c:autoUpdate val="0"/>
+  </c:externalData>
+</c:chartSpace>
+</file>
+
+<file path=ppt/charts/chart2.xml><?xml version="1.0" encoding="utf-8"?>
+<c:chartSpace xmlns:c="http://schemas.openxmlformats.org/drawingml/2006/chart" xmlns:a="http://schemas.openxmlformats.org/drawingml/2006/main" xmlns:r="http://schemas.openxmlformats.org/officeDocument/2006/relationships" xmlns:c16r2="http://schemas.microsoft.com/office/drawing/2015/06/chart">
+  <c:date1904 val="0"/>
+  <c:lang val="en-US"/>
+  <c:roundedCorners val="0"/>
+  <mc:AlternateContent xmlns:mc="http://schemas.openxmlformats.org/markup-compatibility/2006">
+    <mc:Choice xmlns:c14="http://schemas.microsoft.com/office/drawing/2007/8/2/chart" Requires="c14">
+      <c14:style val="102"/>
+    </mc:Choice>
+    <mc:Fallback>
+      <c:style val="2"/>
+    </mc:Fallback>
+  </mc:AlternateContent>
+  <c:chart>
+    <c:autoTitleDeleted val="1"/>
+    <c:plotArea>
+      <c:layout/>
+      <c:pieChart>
+        <c:varyColors val="1"/>
+        <c:ser>
+          <c:idx val="0"/>
+          <c:order val="0"/>
+          <c:dPt>
+            <c:idx val="0"/>
+            <c:bubble3D val="0"/>
+            <c:spPr>
+              <a:solidFill>
+                <a:schemeClr val="accent1"/>
+              </a:solidFill>
+              <a:ln w="19050">
+                <a:solidFill>
+                  <a:schemeClr val="lt1"/>
+                </a:solidFill>
+              </a:ln>
+              <a:effectLst/>
+            </c:spPr>
+            <c:extLst>
+              <c:ext xmlns:c16="http://schemas.microsoft.com/office/drawing/2014/chart" uri="{C3380CC4-5D6E-409C-BE32-E72D297353CC}">
+                <c16:uniqueId val="{00000001-CBF0-44C5-BD4C-BFEB3782CC5E}"/>
+              </c:ext>
+            </c:extLst>
+          </c:dPt>
+          <c:dPt>
+            <c:idx val="1"/>
+            <c:bubble3D val="0"/>
+            <c:spPr>
+              <a:solidFill>
+                <a:schemeClr val="accent2"/>
+              </a:solidFill>
+              <a:ln w="19050">
+                <a:solidFill>
+                  <a:schemeClr val="lt1"/>
+                </a:solidFill>
+              </a:ln>
+              <a:effectLst/>
+            </c:spPr>
+            <c:extLst>
+              <c:ext xmlns:c16="http://schemas.microsoft.com/office/drawing/2014/chart" uri="{C3380CC4-5D6E-409C-BE32-E72D297353CC}">
+                <c16:uniqueId val="{00000003-CBF0-44C5-BD4C-BFEB3782CC5E}"/>
+              </c:ext>
+            </c:extLst>
+          </c:dPt>
+          <c:dPt>
+            <c:idx val="2"/>
+            <c:bubble3D val="0"/>
+            <c:spPr>
+              <a:solidFill>
+                <a:schemeClr val="accent3"/>
+              </a:solidFill>
+              <a:ln w="19050">
+                <a:solidFill>
+                  <a:schemeClr val="lt1"/>
+                </a:solidFill>
+              </a:ln>
+              <a:effectLst/>
+            </c:spPr>
+            <c:extLst>
+              <c:ext xmlns:c16="http://schemas.microsoft.com/office/drawing/2014/chart" uri="{C3380CC4-5D6E-409C-BE32-E72D297353CC}">
+                <c16:uniqueId val="{00000005-CBF0-44C5-BD4C-BFEB3782CC5E}"/>
+              </c:ext>
+            </c:extLst>
+          </c:dPt>
+          <c:dPt>
+            <c:idx val="3"/>
+            <c:bubble3D val="0"/>
+            <c:spPr>
+              <a:solidFill>
+                <a:schemeClr val="accent4"/>
+              </a:solidFill>
+              <a:ln w="19050">
+                <a:solidFill>
+                  <a:schemeClr val="lt1"/>
+                </a:solidFill>
+              </a:ln>
+              <a:effectLst/>
+            </c:spPr>
+            <c:extLst>
+              <c:ext xmlns:c16="http://schemas.microsoft.com/office/drawing/2014/chart" uri="{C3380CC4-5D6E-409C-BE32-E72D297353CC}">
+                <c16:uniqueId val="{00000007-CBF0-44C5-BD4C-BFEB3782CC5E}"/>
+              </c:ext>
+            </c:extLst>
+          </c:dPt>
+          <c:dPt>
+            <c:idx val="4"/>
+            <c:bubble3D val="0"/>
+            <c:spPr>
+              <a:solidFill>
+                <a:schemeClr val="accent5"/>
+              </a:solidFill>
+              <a:ln w="19050">
+                <a:solidFill>
+                  <a:schemeClr val="lt1"/>
+                </a:solidFill>
+              </a:ln>
+              <a:effectLst/>
+            </c:spPr>
+            <c:extLst>
+              <c:ext xmlns:c16="http://schemas.microsoft.com/office/drawing/2014/chart" uri="{C3380CC4-5D6E-409C-BE32-E72D297353CC}">
+                <c16:uniqueId val="{00000009-CBF0-44C5-BD4C-BFEB3782CC5E}"/>
+              </c:ext>
+            </c:extLst>
+          </c:dPt>
+          <c:dLbls>
+            <c:spPr>
+              <a:noFill/>
+              <a:ln>
+                <a:noFill/>
+              </a:ln>
+              <a:effectLst/>
+            </c:spPr>
+            <c:txPr>
+              <a:bodyPr rot="0" spcFirstLastPara="1" vertOverflow="ellipsis" vert="horz" wrap="square" lIns="38100" tIns="19050" rIns="38100" bIns="19050" anchor="ctr" anchorCtr="1">
+                <a:spAutoFit/>
+              </a:bodyPr>
+              <a:lstStyle/>
+              <a:p>
+                <a:pPr>
+                  <a:defRPr sz="900" b="0" i="0" u="none" strike="noStrike" kern="1200" baseline="0">
+                    <a:solidFill>
+                      <a:schemeClr val="tx1">
+                        <a:lumMod val="75000"/>
+                        <a:lumOff val="25000"/>
+                      </a:schemeClr>
+                    </a:solidFill>
+                    <a:latin typeface="+mn-lt"/>
+                    <a:ea typeface="+mn-ea"/>
+                    <a:cs typeface="+mn-cs"/>
+                  </a:defRPr>
+                </a:pPr>
+                <a:endParaRPr lang="pt-BR"/>
+              </a:p>
+            </c:txPr>
+            <c:dLblPos val="bestFit"/>
+            <c:showLegendKey val="0"/>
+            <c:showVal val="1"/>
+            <c:showCatName val="0"/>
+            <c:showSerName val="0"/>
+            <c:showPercent val="0"/>
+            <c:showBubbleSize val="0"/>
+            <c:showLeaderLines val="1"/>
+            <c:leaderLines>
+              <c:spPr>
+                <a:ln w="9525" cap="flat" cmpd="sng" algn="ctr">
+                  <a:solidFill>
+                    <a:schemeClr val="tx1">
+                      <a:lumMod val="35000"/>
+                      <a:lumOff val="65000"/>
+                    </a:schemeClr>
+                  </a:solidFill>
+                  <a:round/>
+                </a:ln>
+                <a:effectLst/>
+              </c:spPr>
+            </c:leaderLines>
+            <c:extLst>
+              <c:ext xmlns:c15="http://schemas.microsoft.com/office/drawing/2012/chart" uri="{CE6537A1-D6FC-4f65-9D91-7224C49458BB}"/>
+            </c:extLst>
+          </c:dLbls>
+          <c:cat>
+            <c:strRef>
+              <c:f>Sheet1!$A$1:$A$5</c:f>
+              <c:strCache>
+                <c:ptCount val="5"/>
+                <c:pt idx="0">
+                  <c:v>Android</c:v>
+                </c:pt>
+                <c:pt idx="1">
+                  <c:v>iOS</c:v>
+                </c:pt>
+                <c:pt idx="2">
+                  <c:v>Windows Phone</c:v>
+                </c:pt>
+                <c:pt idx="3">
+                  <c:v>Kaizen</c:v>
+                </c:pt>
+                <c:pt idx="4">
+                  <c:v>Others</c:v>
+                </c:pt>
+              </c:strCache>
+            </c:strRef>
+          </c:cat>
+          <c:val>
+            <c:numRef>
+              <c:f>Sheet1!$B$1:$B$5</c:f>
+              <c:numCache>
+                <c:formatCode>0.00%</c:formatCode>
+                <c:ptCount val="5"/>
+                <c:pt idx="0">
+                  <c:v>0.84109999999999996</c:v>
+                </c:pt>
+                <c:pt idx="1">
+                  <c:v>0.14410000000000001</c:v>
+                </c:pt>
+                <c:pt idx="2">
+                  <c:v>8.6999999999999994E-3</c:v>
+                </c:pt>
+                <c:pt idx="3">
+                  <c:v>1.2999999999999999E-3</c:v>
+                </c:pt>
+                <c:pt idx="4">
+                  <c:v>4.7999999999999996E-3</c:v>
+                </c:pt>
+              </c:numCache>
+            </c:numRef>
+          </c:val>
+          <c:extLst>
+            <c:ext xmlns:c16="http://schemas.microsoft.com/office/drawing/2014/chart" uri="{C3380CC4-5D6E-409C-BE32-E72D297353CC}">
+              <c16:uniqueId val="{0000000A-CBF0-44C5-BD4C-BFEB3782CC5E}"/>
+            </c:ext>
+          </c:extLst>
+        </c:ser>
+        <c:dLbls>
+          <c:dLblPos val="bestFit"/>
+          <c:showLegendKey val="0"/>
+          <c:showVal val="1"/>
+          <c:showCatName val="0"/>
+          <c:showSerName val="0"/>
+          <c:showPercent val="0"/>
+          <c:showBubbleSize val="0"/>
+          <c:showLeaderLines val="1"/>
+        </c:dLbls>
+        <c:firstSliceAng val="0"/>
+      </c:pieChart>
+      <c:spPr>
+        <a:noFill/>
+        <a:ln>
+          <a:noFill/>
+        </a:ln>
+        <a:effectLst/>
+      </c:spPr>
+    </c:plotArea>
+    <c:legend>
+      <c:legendPos val="r"/>
+      <c:legendEntry>
+        <c:idx val="0"/>
+        <c:txPr>
+          <a:bodyPr rot="0" spcFirstLastPara="1" vertOverflow="ellipsis" vert="horz" wrap="square" anchor="ctr" anchorCtr="1"/>
+          <a:lstStyle/>
+          <a:p>
+            <a:pPr>
+              <a:defRPr sz="1200" b="0" i="0" u="none" strike="noStrike" kern="1200" baseline="0">
+                <a:solidFill>
+                  <a:schemeClr val="tx1">
+                    <a:lumMod val="65000"/>
+                    <a:lumOff val="35000"/>
+                  </a:schemeClr>
+                </a:solidFill>
+                <a:latin typeface="+mn-lt"/>
+                <a:ea typeface="+mn-ea"/>
+                <a:cs typeface="+mn-cs"/>
+              </a:defRPr>
+            </a:pPr>
+            <a:endParaRPr lang="pt-BR"/>
+          </a:p>
+        </c:txPr>
+      </c:legendEntry>
+      <c:legendEntry>
+        <c:idx val="1"/>
+        <c:txPr>
+          <a:bodyPr rot="0" spcFirstLastPara="1" vertOverflow="ellipsis" vert="horz" wrap="square" anchor="ctr" anchorCtr="1"/>
+          <a:lstStyle/>
+          <a:p>
+            <a:pPr>
+              <a:defRPr sz="1200" b="0" i="0" u="none" strike="noStrike" kern="1200" baseline="0">
+                <a:solidFill>
+                  <a:schemeClr val="tx1">
+                    <a:lumMod val="65000"/>
+                    <a:lumOff val="35000"/>
+                  </a:schemeClr>
+                </a:solidFill>
+                <a:latin typeface="+mn-lt"/>
+                <a:ea typeface="+mn-ea"/>
+                <a:cs typeface="+mn-cs"/>
+              </a:defRPr>
+            </a:pPr>
+            <a:endParaRPr lang="pt-BR"/>
+          </a:p>
+        </c:txPr>
+      </c:legendEntry>
+      <c:legendEntry>
+        <c:idx val="2"/>
+        <c:txPr>
+          <a:bodyPr rot="0" spcFirstLastPara="1" vertOverflow="ellipsis" vert="horz" wrap="square" anchor="ctr" anchorCtr="1"/>
+          <a:lstStyle/>
+          <a:p>
+            <a:pPr>
+              <a:defRPr sz="1200" b="0" i="0" u="none" strike="noStrike" kern="1200" baseline="0">
+                <a:solidFill>
+                  <a:schemeClr val="tx1">
+                    <a:lumMod val="65000"/>
+                    <a:lumOff val="35000"/>
+                  </a:schemeClr>
+                </a:solidFill>
+                <a:latin typeface="+mn-lt"/>
+                <a:ea typeface="+mn-ea"/>
+                <a:cs typeface="+mn-cs"/>
+              </a:defRPr>
+            </a:pPr>
+            <a:endParaRPr lang="pt-BR"/>
+          </a:p>
+        </c:txPr>
+      </c:legendEntry>
+      <c:legendEntry>
+        <c:idx val="3"/>
+        <c:txPr>
+          <a:bodyPr rot="0" spcFirstLastPara="1" vertOverflow="ellipsis" vert="horz" wrap="square" anchor="ctr" anchorCtr="1"/>
+          <a:lstStyle/>
+          <a:p>
+            <a:pPr>
+              <a:defRPr sz="1200" b="0" i="0" u="none" strike="noStrike" kern="1200" baseline="0">
+                <a:solidFill>
+                  <a:schemeClr val="tx1">
+                    <a:lumMod val="65000"/>
+                    <a:lumOff val="35000"/>
+                  </a:schemeClr>
+                </a:solidFill>
+                <a:latin typeface="+mn-lt"/>
+                <a:ea typeface="+mn-ea"/>
+                <a:cs typeface="+mn-cs"/>
+              </a:defRPr>
+            </a:pPr>
+            <a:endParaRPr lang="pt-BR"/>
+          </a:p>
+        </c:txPr>
+      </c:legendEntry>
+      <c:legendEntry>
+        <c:idx val="4"/>
+        <c:txPr>
+          <a:bodyPr rot="0" spcFirstLastPara="1" vertOverflow="ellipsis" vert="horz" wrap="square" anchor="ctr" anchorCtr="1"/>
+          <a:lstStyle/>
+          <a:p>
+            <a:pPr>
+              <a:defRPr sz="1200" b="0" i="0" u="none" strike="noStrike" kern="1200" baseline="0">
+                <a:solidFill>
+                  <a:schemeClr val="tx1">
+                    <a:lumMod val="65000"/>
+                    <a:lumOff val="35000"/>
+                  </a:schemeClr>
+                </a:solidFill>
+                <a:latin typeface="+mn-lt"/>
+                <a:ea typeface="+mn-ea"/>
+                <a:cs typeface="+mn-cs"/>
+              </a:defRPr>
+            </a:pPr>
+            <a:endParaRPr lang="pt-BR"/>
+          </a:p>
+        </c:txPr>
+      </c:legendEntry>
+      <c:layout>
+        <c:manualLayout>
+          <c:xMode val="edge"/>
+          <c:yMode val="edge"/>
+          <c:x val="0.78059342277818267"/>
+          <c:y val="8.8157208384230024E-2"/>
+          <c:w val="0.16769938379390284"/>
+          <c:h val="0.28244656864587908"/>
+        </c:manualLayout>
+      </c:layout>
+      <c:overlay val="0"/>
+      <c:spPr>
+        <a:noFill/>
+        <a:ln>
+          <a:noFill/>
+        </a:ln>
+        <a:effectLst/>
+      </c:spPr>
+      <c:txPr>
+        <a:bodyPr rot="0" spcFirstLastPara="1" vertOverflow="ellipsis" vert="horz" wrap="square" anchor="ctr" anchorCtr="1"/>
+        <a:lstStyle/>
+        <a:p>
+          <a:pPr>
+            <a:defRPr sz="900" b="0" i="0" u="none" strike="noStrike" kern="1200" baseline="0">
+              <a:solidFill>
+                <a:schemeClr val="tx1">
+                  <a:lumMod val="65000"/>
+                  <a:lumOff val="35000"/>
+                </a:schemeClr>
+              </a:solidFill>
+              <a:latin typeface="+mn-lt"/>
+              <a:ea typeface="+mn-ea"/>
+              <a:cs typeface="+mn-cs"/>
+            </a:defRPr>
+          </a:pPr>
+          <a:endParaRPr lang="pt-BR"/>
+        </a:p>
+      </c:txPr>
+    </c:legend>
+    <c:plotVisOnly val="1"/>
+    <c:dispBlanksAs val="gap"/>
+    <c:extLst>
+      <c:ext xmlns:c16r3="http://schemas.microsoft.com/office/drawing/2017/03/chart" uri="{56B9EC1D-385E-4148-901F-78D8002777C0}">
+        <c16r3:dataDisplayOptions16>
+          <c16r3:dispNaAsBlank val="1"/>
+        </c16r3:dataDisplayOptions16>
+      </c:ext>
+    </c:extLst>
+    <c:showDLblsOverMax val="0"/>
+  </c:chart>
+  <c:spPr>
+    <a:noFill/>
+    <a:ln>
+      <a:noFill/>
+    </a:ln>
+    <a:effectLst/>
+  </c:spPr>
+  <c:txPr>
+    <a:bodyPr/>
+    <a:lstStyle/>
+    <a:p>
+      <a:pPr>
+        <a:defRPr/>
+      </a:pPr>
+      <a:endParaRPr lang="pt-BR"/>
+    </a:p>
+  </c:txPr>
+  <c:externalData r:id="rId3">
+    <c:autoUpdate val="0"/>
+  </c:externalData>
+</c:chartSpace>
+</file>
+
+<file path=ppt/charts/chart3.xml><?xml version="1.0" encoding="utf-8"?>
+<c:chartSpace xmlns:c="http://schemas.openxmlformats.org/drawingml/2006/chart" xmlns:a="http://schemas.openxmlformats.org/drawingml/2006/main" xmlns:r="http://schemas.openxmlformats.org/officeDocument/2006/relationships" xmlns:c16r2="http://schemas.microsoft.com/office/drawing/2015/06/chart">
+  <c:date1904 val="0"/>
+  <c:lang val="en-US"/>
+  <c:roundedCorners val="0"/>
+  <mc:AlternateContent xmlns:mc="http://schemas.openxmlformats.org/markup-compatibility/2006">
+    <mc:Choice xmlns:c14="http://schemas.microsoft.com/office/drawing/2007/8/2/chart" Requires="c14">
+      <c14:style val="102"/>
+    </mc:Choice>
+    <mc:Fallback>
+      <c:style val="2"/>
+    </mc:Fallback>
+  </mc:AlternateContent>
+  <c:chart>
+    <c:autoTitleDeleted val="1"/>
+    <c:plotArea>
+      <c:layout/>
+      <c:pieChart>
+        <c:varyColors val="1"/>
+        <c:ser>
+          <c:idx val="0"/>
+          <c:order val="0"/>
+          <c:dPt>
+            <c:idx val="0"/>
+            <c:bubble3D val="0"/>
+            <c:spPr>
+              <a:solidFill>
+                <a:schemeClr val="accent1"/>
+              </a:solidFill>
+              <a:ln w="19050">
+                <a:solidFill>
+                  <a:schemeClr val="lt1"/>
+                </a:solidFill>
+              </a:ln>
+              <a:effectLst/>
+            </c:spPr>
+            <c:extLst>
+              <c:ext xmlns:c16="http://schemas.microsoft.com/office/drawing/2014/chart" uri="{C3380CC4-5D6E-409C-BE32-E72D297353CC}">
+                <c16:uniqueId val="{00000001-7C2F-48F2-A70C-755D28E3FF00}"/>
+              </c:ext>
+            </c:extLst>
+          </c:dPt>
+          <c:dPt>
+            <c:idx val="1"/>
+            <c:bubble3D val="0"/>
+            <c:spPr>
+              <a:solidFill>
+                <a:schemeClr val="accent2"/>
+              </a:solidFill>
+              <a:ln w="19050">
+                <a:solidFill>
+                  <a:schemeClr val="lt1"/>
+                </a:solidFill>
+              </a:ln>
+              <a:effectLst/>
+            </c:spPr>
+            <c:extLst>
+              <c:ext xmlns:c16="http://schemas.microsoft.com/office/drawing/2014/chart" uri="{C3380CC4-5D6E-409C-BE32-E72D297353CC}">
+                <c16:uniqueId val="{00000003-7C2F-48F2-A70C-755D28E3FF00}"/>
+              </c:ext>
+            </c:extLst>
+          </c:dPt>
+          <c:dPt>
+            <c:idx val="2"/>
+            <c:bubble3D val="0"/>
+            <c:spPr>
+              <a:solidFill>
+                <a:schemeClr val="accent3"/>
+              </a:solidFill>
+              <a:ln w="19050">
+                <a:solidFill>
+                  <a:schemeClr val="lt1"/>
+                </a:solidFill>
+              </a:ln>
+              <a:effectLst/>
+            </c:spPr>
+            <c:extLst>
+              <c:ext xmlns:c16="http://schemas.microsoft.com/office/drawing/2014/chart" uri="{C3380CC4-5D6E-409C-BE32-E72D297353CC}">
+                <c16:uniqueId val="{00000005-7C2F-48F2-A70C-755D28E3FF00}"/>
+              </c:ext>
+            </c:extLst>
+          </c:dPt>
+          <c:dPt>
+            <c:idx val="3"/>
+            <c:bubble3D val="0"/>
+            <c:spPr>
+              <a:solidFill>
+                <a:schemeClr val="accent4"/>
+              </a:solidFill>
+              <a:ln w="19050">
+                <a:solidFill>
+                  <a:schemeClr val="lt1"/>
+                </a:solidFill>
+              </a:ln>
+              <a:effectLst/>
+            </c:spPr>
+            <c:extLst>
+              <c:ext xmlns:c16="http://schemas.microsoft.com/office/drawing/2014/chart" uri="{C3380CC4-5D6E-409C-BE32-E72D297353CC}">
+                <c16:uniqueId val="{00000007-7C2F-48F2-A70C-755D28E3FF00}"/>
+              </c:ext>
+            </c:extLst>
+          </c:dPt>
+          <c:dPt>
+            <c:idx val="4"/>
+            <c:bubble3D val="0"/>
+            <c:spPr>
+              <a:solidFill>
+                <a:schemeClr val="accent5"/>
+              </a:solidFill>
+              <a:ln w="19050">
+                <a:solidFill>
+                  <a:schemeClr val="lt1"/>
+                </a:solidFill>
+              </a:ln>
+              <a:effectLst/>
+            </c:spPr>
+            <c:extLst>
+              <c:ext xmlns:c16="http://schemas.microsoft.com/office/drawing/2014/chart" uri="{C3380CC4-5D6E-409C-BE32-E72D297353CC}">
+                <c16:uniqueId val="{00000009-7C2F-48F2-A70C-755D28E3FF00}"/>
+              </c:ext>
+            </c:extLst>
+          </c:dPt>
+          <c:dLbls>
+            <c:spPr>
+              <a:noFill/>
+              <a:ln>
+                <a:noFill/>
+              </a:ln>
+              <a:effectLst/>
+            </c:spPr>
+            <c:txPr>
+              <a:bodyPr rot="0" spcFirstLastPara="1" vertOverflow="ellipsis" vert="horz" wrap="square" lIns="38100" tIns="19050" rIns="38100" bIns="19050" anchor="ctr" anchorCtr="1">
+                <a:spAutoFit/>
+              </a:bodyPr>
+              <a:lstStyle/>
+              <a:p>
+                <a:pPr>
+                  <a:defRPr sz="900" b="0" i="0" u="none" strike="noStrike" kern="1200" baseline="0">
+                    <a:solidFill>
+                      <a:schemeClr val="tx1">
+                        <a:lumMod val="75000"/>
+                        <a:lumOff val="25000"/>
+                      </a:schemeClr>
+                    </a:solidFill>
+                    <a:latin typeface="+mn-lt"/>
+                    <a:ea typeface="+mn-ea"/>
+                    <a:cs typeface="+mn-cs"/>
+                  </a:defRPr>
+                </a:pPr>
+                <a:endParaRPr lang="pt-BR"/>
+              </a:p>
+            </c:txPr>
+            <c:dLblPos val="bestFit"/>
+            <c:showLegendKey val="0"/>
+            <c:showVal val="1"/>
+            <c:showCatName val="0"/>
+            <c:showSerName val="0"/>
+            <c:showPercent val="0"/>
+            <c:showBubbleSize val="0"/>
+            <c:showLeaderLines val="1"/>
+            <c:leaderLines>
+              <c:spPr>
+                <a:ln w="9525" cap="flat" cmpd="sng" algn="ctr">
+                  <a:solidFill>
+                    <a:schemeClr val="tx1">
+                      <a:lumMod val="35000"/>
+                      <a:lumOff val="65000"/>
+                    </a:schemeClr>
+                  </a:solidFill>
+                  <a:round/>
+                </a:ln>
+                <a:effectLst/>
+              </c:spPr>
+            </c:leaderLines>
+            <c:extLst>
+              <c:ext xmlns:c15="http://schemas.microsoft.com/office/drawing/2012/chart" uri="{CE6537A1-D6FC-4f65-9D91-7224C49458BB}"/>
+            </c:extLst>
+          </c:dLbls>
+          <c:cat>
+            <c:strRef>
+              <c:f>Sheet1!$A$1:$A$5</c:f>
+              <c:strCache>
+                <c:ptCount val="5"/>
+                <c:pt idx="0">
+                  <c:v>Android</c:v>
+                </c:pt>
+                <c:pt idx="1">
+                  <c:v>iOS</c:v>
+                </c:pt>
+                <c:pt idx="2">
+                  <c:v>Windows Phone</c:v>
+                </c:pt>
+                <c:pt idx="3">
+                  <c:v>Kaizen</c:v>
+                </c:pt>
+                <c:pt idx="4">
+                  <c:v>Others</c:v>
+                </c:pt>
+              </c:strCache>
+            </c:strRef>
+          </c:cat>
+          <c:val>
+            <c:numRef>
+              <c:f>Sheet1!$B$1:$B$5</c:f>
+              <c:numCache>
+                <c:formatCode>0.00%</c:formatCode>
+                <c:ptCount val="5"/>
+                <c:pt idx="0">
+                  <c:v>0.84109999999999996</c:v>
+                </c:pt>
+                <c:pt idx="1">
+                  <c:v>0.14410000000000001</c:v>
+                </c:pt>
+                <c:pt idx="2">
+                  <c:v>8.6999999999999994E-3</c:v>
+                </c:pt>
+                <c:pt idx="3">
+                  <c:v>1.2999999999999999E-3</c:v>
+                </c:pt>
+                <c:pt idx="4">
+                  <c:v>4.7999999999999996E-3</c:v>
+                </c:pt>
+              </c:numCache>
+            </c:numRef>
+          </c:val>
+          <c:extLst>
+            <c:ext xmlns:c16="http://schemas.microsoft.com/office/drawing/2014/chart" uri="{C3380CC4-5D6E-409C-BE32-E72D297353CC}">
+              <c16:uniqueId val="{0000000A-7C2F-48F2-A70C-755D28E3FF00}"/>
+            </c:ext>
+          </c:extLst>
+        </c:ser>
+        <c:dLbls>
+          <c:dLblPos val="bestFit"/>
+          <c:showLegendKey val="0"/>
+          <c:showVal val="1"/>
+          <c:showCatName val="0"/>
+          <c:showSerName val="0"/>
+          <c:showPercent val="0"/>
+          <c:showBubbleSize val="0"/>
+          <c:showLeaderLines val="1"/>
+        </c:dLbls>
+        <c:firstSliceAng val="0"/>
+      </c:pieChart>
+      <c:spPr>
+        <a:noFill/>
+        <a:ln>
+          <a:noFill/>
+        </a:ln>
+        <a:effectLst/>
+      </c:spPr>
+    </c:plotArea>
+    <c:legend>
+      <c:legendPos val="r"/>
+      <c:legendEntry>
+        <c:idx val="0"/>
+        <c:txPr>
+          <a:bodyPr rot="0" spcFirstLastPara="1" vertOverflow="ellipsis" vert="horz" wrap="square" anchor="ctr" anchorCtr="1"/>
+          <a:lstStyle/>
+          <a:p>
+            <a:pPr>
+              <a:defRPr sz="1200" b="0" i="0" u="none" strike="noStrike" kern="1200" baseline="0">
+                <a:solidFill>
+                  <a:schemeClr val="tx1">
+                    <a:lumMod val="65000"/>
+                    <a:lumOff val="35000"/>
+                  </a:schemeClr>
+                </a:solidFill>
+                <a:latin typeface="+mn-lt"/>
+                <a:ea typeface="+mn-ea"/>
+                <a:cs typeface="+mn-cs"/>
+              </a:defRPr>
+            </a:pPr>
+            <a:endParaRPr lang="pt-BR"/>
+          </a:p>
+        </c:txPr>
+      </c:legendEntry>
+      <c:legendEntry>
+        <c:idx val="1"/>
+        <c:txPr>
+          <a:bodyPr rot="0" spcFirstLastPara="1" vertOverflow="ellipsis" vert="horz" wrap="square" anchor="ctr" anchorCtr="1"/>
+          <a:lstStyle/>
+          <a:p>
+            <a:pPr>
+              <a:defRPr sz="1200" b="0" i="0" u="none" strike="noStrike" kern="1200" baseline="0">
+                <a:solidFill>
+                  <a:schemeClr val="tx1">
+                    <a:lumMod val="65000"/>
+                    <a:lumOff val="35000"/>
+                  </a:schemeClr>
+                </a:solidFill>
+                <a:latin typeface="+mn-lt"/>
+                <a:ea typeface="+mn-ea"/>
+                <a:cs typeface="+mn-cs"/>
+              </a:defRPr>
+            </a:pPr>
+            <a:endParaRPr lang="pt-BR"/>
+          </a:p>
+        </c:txPr>
+      </c:legendEntry>
+      <c:legendEntry>
+        <c:idx val="2"/>
+        <c:txPr>
+          <a:bodyPr rot="0" spcFirstLastPara="1" vertOverflow="ellipsis" vert="horz" wrap="square" anchor="ctr" anchorCtr="1"/>
+          <a:lstStyle/>
+          <a:p>
+            <a:pPr>
+              <a:defRPr sz="1200" b="0" i="0" u="none" strike="noStrike" kern="1200" baseline="0">
+                <a:solidFill>
+                  <a:schemeClr val="tx1">
+                    <a:lumMod val="65000"/>
+                    <a:lumOff val="35000"/>
+                  </a:schemeClr>
+                </a:solidFill>
+                <a:latin typeface="+mn-lt"/>
+                <a:ea typeface="+mn-ea"/>
+                <a:cs typeface="+mn-cs"/>
+              </a:defRPr>
+            </a:pPr>
+            <a:endParaRPr lang="pt-BR"/>
+          </a:p>
+        </c:txPr>
+      </c:legendEntry>
+      <c:legendEntry>
+        <c:idx val="3"/>
+        <c:txPr>
+          <a:bodyPr rot="0" spcFirstLastPara="1" vertOverflow="ellipsis" vert="horz" wrap="square" anchor="ctr" anchorCtr="1"/>
+          <a:lstStyle/>
+          <a:p>
+            <a:pPr>
+              <a:defRPr sz="1200" b="0" i="0" u="none" strike="noStrike" kern="1200" baseline="0">
+                <a:solidFill>
+                  <a:schemeClr val="tx1">
+                    <a:lumMod val="65000"/>
+                    <a:lumOff val="35000"/>
+                  </a:schemeClr>
+                </a:solidFill>
+                <a:latin typeface="+mn-lt"/>
+                <a:ea typeface="+mn-ea"/>
+                <a:cs typeface="+mn-cs"/>
+              </a:defRPr>
+            </a:pPr>
+            <a:endParaRPr lang="pt-BR"/>
+          </a:p>
+        </c:txPr>
+      </c:legendEntry>
+      <c:legendEntry>
+        <c:idx val="4"/>
+        <c:txPr>
+          <a:bodyPr rot="0" spcFirstLastPara="1" vertOverflow="ellipsis" vert="horz" wrap="square" anchor="ctr" anchorCtr="1"/>
+          <a:lstStyle/>
+          <a:p>
+            <a:pPr>
+              <a:defRPr sz="1200" b="0" i="0" u="none" strike="noStrike" kern="1200" baseline="0">
+                <a:solidFill>
+                  <a:schemeClr val="tx1">
+                    <a:lumMod val="65000"/>
+                    <a:lumOff val="35000"/>
+                  </a:schemeClr>
+                </a:solidFill>
+                <a:latin typeface="+mn-lt"/>
+                <a:ea typeface="+mn-ea"/>
+                <a:cs typeface="+mn-cs"/>
+              </a:defRPr>
+            </a:pPr>
+            <a:endParaRPr lang="pt-BR"/>
+          </a:p>
+        </c:txPr>
+      </c:legendEntry>
+      <c:layout>
+        <c:manualLayout>
+          <c:xMode val="edge"/>
+          <c:yMode val="edge"/>
+          <c:x val="0.7659708125837883"/>
+          <c:y val="6.4930263222369222E-2"/>
+          <c:w val="0.1782623940068328"/>
+          <c:h val="0.25811780151675112"/>
+        </c:manualLayout>
+      </c:layout>
+      <c:overlay val="0"/>
+      <c:spPr>
+        <a:noFill/>
+        <a:ln>
+          <a:noFill/>
+        </a:ln>
+        <a:effectLst/>
+      </c:spPr>
+      <c:txPr>
+        <a:bodyPr rot="0" spcFirstLastPara="1" vertOverflow="ellipsis" vert="horz" wrap="square" anchor="ctr" anchorCtr="1"/>
+        <a:lstStyle/>
+        <a:p>
+          <a:pPr>
+            <a:defRPr sz="900" b="0" i="0" u="none" strike="noStrike" kern="1200" baseline="0">
+              <a:solidFill>
+                <a:schemeClr val="tx1">
+                  <a:lumMod val="65000"/>
+                  <a:lumOff val="35000"/>
+                </a:schemeClr>
+              </a:solidFill>
+              <a:latin typeface="+mn-lt"/>
+              <a:ea typeface="+mn-ea"/>
+              <a:cs typeface="+mn-cs"/>
+            </a:defRPr>
+          </a:pPr>
+          <a:endParaRPr lang="pt-BR"/>
+        </a:p>
+      </c:txPr>
+    </c:legend>
+    <c:plotVisOnly val="1"/>
+    <c:dispBlanksAs val="gap"/>
+    <c:extLst>
+      <c:ext xmlns:c16r3="http://schemas.microsoft.com/office/drawing/2017/03/chart" uri="{56B9EC1D-385E-4148-901F-78D8002777C0}">
+        <c16r3:dataDisplayOptions16>
+          <c16r3:dispNaAsBlank val="1"/>
+        </c16r3:dataDisplayOptions16>
+      </c:ext>
+    </c:extLst>
     <c:showDLblsOverMax val="0"/>
   </c:chart>
   <c:spPr>
@@ -455,6 +1133,86 @@
 </cs:colorStyle>
 </file>
 
+<file path=ppt/charts/colors2.xml><?xml version="1.0" encoding="utf-8"?>
+<cs:colorStyle xmlns:cs="http://schemas.microsoft.com/office/drawing/2012/chartStyle" xmlns:a="http://schemas.openxmlformats.org/drawingml/2006/main" meth="cycle" id="10">
+  <a:schemeClr val="accent1"/>
+  <a:schemeClr val="accent2"/>
+  <a:schemeClr val="accent3"/>
+  <a:schemeClr val="accent4"/>
+  <a:schemeClr val="accent5"/>
+  <a:schemeClr val="accent6"/>
+  <cs:variation/>
+  <cs:variation>
+    <a:lumMod val="60000"/>
+  </cs:variation>
+  <cs:variation>
+    <a:lumMod val="80000"/>
+    <a:lumOff val="20000"/>
+  </cs:variation>
+  <cs:variation>
+    <a:lumMod val="80000"/>
+  </cs:variation>
+  <cs:variation>
+    <a:lumMod val="60000"/>
+    <a:lumOff val="40000"/>
+  </cs:variation>
+  <cs:variation>
+    <a:lumMod val="50000"/>
+  </cs:variation>
+  <cs:variation>
+    <a:lumMod val="70000"/>
+    <a:lumOff val="30000"/>
+  </cs:variation>
+  <cs:variation>
+    <a:lumMod val="70000"/>
+  </cs:variation>
+  <cs:variation>
+    <a:lumMod val="50000"/>
+    <a:lumOff val="50000"/>
+  </cs:variation>
+</cs:colorStyle>
+</file>
+
+<file path=ppt/charts/colors3.xml><?xml version="1.0" encoding="utf-8"?>
+<cs:colorStyle xmlns:cs="http://schemas.microsoft.com/office/drawing/2012/chartStyle" xmlns:a="http://schemas.openxmlformats.org/drawingml/2006/main" meth="cycle" id="10">
+  <a:schemeClr val="accent1"/>
+  <a:schemeClr val="accent2"/>
+  <a:schemeClr val="accent3"/>
+  <a:schemeClr val="accent4"/>
+  <a:schemeClr val="accent5"/>
+  <a:schemeClr val="accent6"/>
+  <cs:variation/>
+  <cs:variation>
+    <a:lumMod val="60000"/>
+  </cs:variation>
+  <cs:variation>
+    <a:lumMod val="80000"/>
+    <a:lumOff val="20000"/>
+  </cs:variation>
+  <cs:variation>
+    <a:lumMod val="80000"/>
+  </cs:variation>
+  <cs:variation>
+    <a:lumMod val="60000"/>
+    <a:lumOff val="40000"/>
+  </cs:variation>
+  <cs:variation>
+    <a:lumMod val="50000"/>
+  </cs:variation>
+  <cs:variation>
+    <a:lumMod val="70000"/>
+    <a:lumOff val="30000"/>
+  </cs:variation>
+  <cs:variation>
+    <a:lumMod val="70000"/>
+  </cs:variation>
+  <cs:variation>
+    <a:lumMod val="50000"/>
+    <a:lumOff val="50000"/>
+  </cs:variation>
+</cs:colorStyle>
+</file>
+
 <file path=ppt/charts/style1.xml><?xml version="1.0" encoding="utf-8"?>
 <cs:chartStyle xmlns:cs="http://schemas.microsoft.com/office/drawing/2012/chartStyle" xmlns:a="http://schemas.openxmlformats.org/drawingml/2006/main" id="251">
   <cs:axisTitle>
@@ -956,6 +1714,1044 @@
       </a:schemeClr>
     </cs:fontRef>
     <cs:defRPr sz="1197" kern="1200"/>
+  </cs:valueAxis>
+  <cs:wall>
+    <cs:lnRef idx="0"/>
+    <cs:fillRef idx="0"/>
+    <cs:effectRef idx="0"/>
+    <cs:fontRef idx="minor">
+      <a:schemeClr val="tx1"/>
+    </cs:fontRef>
+    <cs:spPr>
+      <a:noFill/>
+      <a:ln>
+        <a:noFill/>
+      </a:ln>
+    </cs:spPr>
+  </cs:wall>
+</cs:chartStyle>
+</file>
+
+<file path=ppt/charts/style2.xml><?xml version="1.0" encoding="utf-8"?>
+<cs:chartStyle xmlns:cs="http://schemas.microsoft.com/office/drawing/2012/chartStyle" xmlns:a="http://schemas.openxmlformats.org/drawingml/2006/main" id="251">
+  <cs:axisTitle>
+    <cs:lnRef idx="0"/>
+    <cs:fillRef idx="0"/>
+    <cs:effectRef idx="0"/>
+    <cs:fontRef idx="minor">
+      <a:schemeClr val="tx1">
+        <a:lumMod val="65000"/>
+        <a:lumOff val="35000"/>
+      </a:schemeClr>
+    </cs:fontRef>
+    <cs:defRPr sz="1000" kern="1200"/>
+  </cs:axisTitle>
+  <cs:categoryAxis>
+    <cs:lnRef idx="0"/>
+    <cs:fillRef idx="0"/>
+    <cs:effectRef idx="0"/>
+    <cs:fontRef idx="minor">
+      <a:schemeClr val="tx1">
+        <a:lumMod val="65000"/>
+        <a:lumOff val="35000"/>
+      </a:schemeClr>
+    </cs:fontRef>
+    <cs:spPr>
+      <a:ln w="9525" cap="flat" cmpd="sng" algn="ctr">
+        <a:solidFill>
+          <a:schemeClr val="tx1">
+            <a:lumMod val="15000"/>
+            <a:lumOff val="85000"/>
+          </a:schemeClr>
+        </a:solidFill>
+        <a:round/>
+      </a:ln>
+    </cs:spPr>
+    <cs:defRPr sz="900" kern="1200"/>
+  </cs:categoryAxis>
+  <cs:chartArea mods="allowNoFillOverride allowNoLineOverride">
+    <cs:lnRef idx="0"/>
+    <cs:fillRef idx="0"/>
+    <cs:effectRef idx="0"/>
+    <cs:fontRef idx="minor">
+      <a:schemeClr val="tx1"/>
+    </cs:fontRef>
+    <cs:spPr>
+      <a:solidFill>
+        <a:schemeClr val="bg1"/>
+      </a:solidFill>
+      <a:ln w="9525" cap="flat" cmpd="sng" algn="ctr">
+        <a:solidFill>
+          <a:schemeClr val="tx1">
+            <a:lumMod val="15000"/>
+            <a:lumOff val="85000"/>
+          </a:schemeClr>
+        </a:solidFill>
+        <a:round/>
+      </a:ln>
+    </cs:spPr>
+    <cs:defRPr sz="900" kern="1200"/>
+  </cs:chartArea>
+  <cs:dataLabel>
+    <cs:lnRef idx="0"/>
+    <cs:fillRef idx="0"/>
+    <cs:effectRef idx="0"/>
+    <cs:fontRef idx="minor">
+      <a:schemeClr val="tx1">
+        <a:lumMod val="75000"/>
+        <a:lumOff val="25000"/>
+      </a:schemeClr>
+    </cs:fontRef>
+    <cs:defRPr sz="900" kern="1200"/>
+  </cs:dataLabel>
+  <cs:dataLabelCallout>
+    <cs:lnRef idx="0"/>
+    <cs:fillRef idx="0"/>
+    <cs:effectRef idx="0"/>
+    <cs:fontRef idx="minor">
+      <a:schemeClr val="dk1">
+        <a:lumMod val="65000"/>
+        <a:lumOff val="35000"/>
+      </a:schemeClr>
+    </cs:fontRef>
+    <cs:spPr>
+      <a:solidFill>
+        <a:schemeClr val="lt1"/>
+      </a:solidFill>
+      <a:ln>
+        <a:solidFill>
+          <a:schemeClr val="dk1">
+            <a:lumMod val="25000"/>
+            <a:lumOff val="75000"/>
+          </a:schemeClr>
+        </a:solidFill>
+      </a:ln>
+    </cs:spPr>
+    <cs:defRPr sz="900" kern="1200"/>
+    <cs:bodyPr rot="0" spcFirstLastPara="1" vertOverflow="clip" horzOverflow="clip" vert="horz" wrap="square" lIns="36576" tIns="18288" rIns="36576" bIns="18288" anchor="ctr" anchorCtr="1">
+      <a:spAutoFit/>
+    </cs:bodyPr>
+  </cs:dataLabelCallout>
+  <cs:dataPoint>
+    <cs:lnRef idx="0"/>
+    <cs:fillRef idx="1">
+      <cs:styleClr val="auto"/>
+    </cs:fillRef>
+    <cs:effectRef idx="0"/>
+    <cs:fontRef idx="minor">
+      <a:schemeClr val="tx1"/>
+    </cs:fontRef>
+    <cs:spPr>
+      <a:ln w="19050">
+        <a:solidFill>
+          <a:schemeClr val="lt1"/>
+        </a:solidFill>
+      </a:ln>
+    </cs:spPr>
+  </cs:dataPoint>
+  <cs:dataPoint3D>
+    <cs:lnRef idx="0"/>
+    <cs:fillRef idx="1">
+      <cs:styleClr val="auto"/>
+    </cs:fillRef>
+    <cs:effectRef idx="0"/>
+    <cs:fontRef idx="minor">
+      <a:schemeClr val="tx1"/>
+    </cs:fontRef>
+    <cs:spPr>
+      <a:ln w="25400">
+        <a:solidFill>
+          <a:schemeClr val="lt1"/>
+        </a:solidFill>
+      </a:ln>
+    </cs:spPr>
+  </cs:dataPoint3D>
+  <cs:dataPointLine>
+    <cs:lnRef idx="0">
+      <cs:styleClr val="auto"/>
+    </cs:lnRef>
+    <cs:fillRef idx="0"/>
+    <cs:effectRef idx="0"/>
+    <cs:fontRef idx="minor">
+      <a:schemeClr val="tx1"/>
+    </cs:fontRef>
+    <cs:spPr>
+      <a:ln w="28575" cap="rnd">
+        <a:solidFill>
+          <a:schemeClr val="phClr"/>
+        </a:solidFill>
+        <a:round/>
+      </a:ln>
+    </cs:spPr>
+  </cs:dataPointLine>
+  <cs:dataPointMarker>
+    <cs:lnRef idx="0">
+      <cs:styleClr val="auto"/>
+    </cs:lnRef>
+    <cs:fillRef idx="1">
+      <cs:styleClr val="auto"/>
+    </cs:fillRef>
+    <cs:effectRef idx="0"/>
+    <cs:fontRef idx="minor">
+      <a:schemeClr val="tx1"/>
+    </cs:fontRef>
+    <cs:spPr>
+      <a:ln w="9525">
+        <a:solidFill>
+          <a:schemeClr val="phClr"/>
+        </a:solidFill>
+      </a:ln>
+    </cs:spPr>
+  </cs:dataPointMarker>
+  <cs:dataPointMarkerLayout symbol="circle" size="5"/>
+  <cs:dataPointWireframe>
+    <cs:lnRef idx="0">
+      <cs:styleClr val="auto"/>
+    </cs:lnRef>
+    <cs:fillRef idx="0"/>
+    <cs:effectRef idx="0"/>
+    <cs:fontRef idx="minor">
+      <a:schemeClr val="tx1"/>
+    </cs:fontRef>
+    <cs:spPr>
+      <a:ln w="9525" cap="rnd">
+        <a:solidFill>
+          <a:schemeClr val="phClr"/>
+        </a:solidFill>
+        <a:round/>
+      </a:ln>
+    </cs:spPr>
+  </cs:dataPointWireframe>
+  <cs:dataTable>
+    <cs:lnRef idx="0"/>
+    <cs:fillRef idx="0"/>
+    <cs:effectRef idx="0"/>
+    <cs:fontRef idx="minor">
+      <a:schemeClr val="tx1">
+        <a:lumMod val="65000"/>
+        <a:lumOff val="35000"/>
+      </a:schemeClr>
+    </cs:fontRef>
+    <cs:spPr>
+      <a:noFill/>
+      <a:ln w="9525" cap="flat" cmpd="sng" algn="ctr">
+        <a:solidFill>
+          <a:schemeClr val="tx1">
+            <a:lumMod val="15000"/>
+            <a:lumOff val="85000"/>
+          </a:schemeClr>
+        </a:solidFill>
+        <a:round/>
+      </a:ln>
+    </cs:spPr>
+    <cs:defRPr sz="900" kern="1200"/>
+  </cs:dataTable>
+  <cs:downBar>
+    <cs:lnRef idx="0"/>
+    <cs:fillRef idx="0"/>
+    <cs:effectRef idx="0"/>
+    <cs:fontRef idx="minor">
+      <a:schemeClr val="tx1"/>
+    </cs:fontRef>
+    <cs:spPr>
+      <a:solidFill>
+        <a:schemeClr val="dk1">
+          <a:lumMod val="75000"/>
+          <a:lumOff val="25000"/>
+        </a:schemeClr>
+      </a:solidFill>
+      <a:ln w="9525" cap="flat" cmpd="sng" algn="ctr">
+        <a:solidFill>
+          <a:schemeClr val="tx1">
+            <a:lumMod val="65000"/>
+            <a:lumOff val="35000"/>
+          </a:schemeClr>
+        </a:solidFill>
+        <a:round/>
+      </a:ln>
+    </cs:spPr>
+  </cs:downBar>
+  <cs:dropLine>
+    <cs:lnRef idx="0"/>
+    <cs:fillRef idx="0"/>
+    <cs:effectRef idx="0"/>
+    <cs:fontRef idx="minor">
+      <a:schemeClr val="tx1"/>
+    </cs:fontRef>
+    <cs:spPr>
+      <a:ln w="9525" cap="flat" cmpd="sng" algn="ctr">
+        <a:solidFill>
+          <a:schemeClr val="tx1">
+            <a:lumMod val="35000"/>
+            <a:lumOff val="65000"/>
+          </a:schemeClr>
+        </a:solidFill>
+        <a:round/>
+      </a:ln>
+    </cs:spPr>
+  </cs:dropLine>
+  <cs:errorBar>
+    <cs:lnRef idx="0"/>
+    <cs:fillRef idx="0"/>
+    <cs:effectRef idx="0"/>
+    <cs:fontRef idx="minor">
+      <a:schemeClr val="tx1"/>
+    </cs:fontRef>
+    <cs:spPr>
+      <a:ln w="9525" cap="flat" cmpd="sng" algn="ctr">
+        <a:solidFill>
+          <a:schemeClr val="tx1">
+            <a:lumMod val="65000"/>
+            <a:lumOff val="35000"/>
+          </a:schemeClr>
+        </a:solidFill>
+        <a:round/>
+      </a:ln>
+    </cs:spPr>
+  </cs:errorBar>
+  <cs:floor>
+    <cs:lnRef idx="0"/>
+    <cs:fillRef idx="0"/>
+    <cs:effectRef idx="0"/>
+    <cs:fontRef idx="minor">
+      <a:schemeClr val="tx1"/>
+    </cs:fontRef>
+    <cs:spPr>
+      <a:noFill/>
+      <a:ln>
+        <a:noFill/>
+      </a:ln>
+    </cs:spPr>
+  </cs:floor>
+  <cs:gridlineMajor>
+    <cs:lnRef idx="0"/>
+    <cs:fillRef idx="0"/>
+    <cs:effectRef idx="0"/>
+    <cs:fontRef idx="minor">
+      <a:schemeClr val="tx1"/>
+    </cs:fontRef>
+    <cs:spPr>
+      <a:ln w="9525" cap="flat" cmpd="sng" algn="ctr">
+        <a:solidFill>
+          <a:schemeClr val="tx1">
+            <a:lumMod val="15000"/>
+            <a:lumOff val="85000"/>
+          </a:schemeClr>
+        </a:solidFill>
+        <a:round/>
+      </a:ln>
+    </cs:spPr>
+  </cs:gridlineMajor>
+  <cs:gridlineMinor>
+    <cs:lnRef idx="0"/>
+    <cs:fillRef idx="0"/>
+    <cs:effectRef idx="0"/>
+    <cs:fontRef idx="minor">
+      <a:schemeClr val="tx1"/>
+    </cs:fontRef>
+    <cs:spPr>
+      <a:ln w="9525" cap="flat" cmpd="sng" algn="ctr">
+        <a:solidFill>
+          <a:schemeClr val="tx1">
+            <a:lumMod val="5000"/>
+            <a:lumOff val="95000"/>
+          </a:schemeClr>
+        </a:solidFill>
+        <a:round/>
+      </a:ln>
+    </cs:spPr>
+  </cs:gridlineMinor>
+  <cs:hiLoLine>
+    <cs:lnRef idx="0"/>
+    <cs:fillRef idx="0"/>
+    <cs:effectRef idx="0"/>
+    <cs:fontRef idx="minor">
+      <a:schemeClr val="tx1"/>
+    </cs:fontRef>
+    <cs:spPr>
+      <a:ln w="9525" cap="flat" cmpd="sng" algn="ctr">
+        <a:solidFill>
+          <a:schemeClr val="tx1">
+            <a:lumMod val="50000"/>
+            <a:lumOff val="50000"/>
+          </a:schemeClr>
+        </a:solidFill>
+        <a:round/>
+      </a:ln>
+    </cs:spPr>
+  </cs:hiLoLine>
+  <cs:leaderLine>
+    <cs:lnRef idx="0"/>
+    <cs:fillRef idx="0"/>
+    <cs:effectRef idx="0"/>
+    <cs:fontRef idx="minor">
+      <a:schemeClr val="tx1"/>
+    </cs:fontRef>
+    <cs:spPr>
+      <a:ln w="9525" cap="flat" cmpd="sng" algn="ctr">
+        <a:solidFill>
+          <a:schemeClr val="tx1">
+            <a:lumMod val="35000"/>
+            <a:lumOff val="65000"/>
+          </a:schemeClr>
+        </a:solidFill>
+        <a:round/>
+      </a:ln>
+    </cs:spPr>
+  </cs:leaderLine>
+  <cs:legend>
+    <cs:lnRef idx="0"/>
+    <cs:fillRef idx="0"/>
+    <cs:effectRef idx="0"/>
+    <cs:fontRef idx="minor">
+      <a:schemeClr val="tx1">
+        <a:lumMod val="65000"/>
+        <a:lumOff val="35000"/>
+      </a:schemeClr>
+    </cs:fontRef>
+    <cs:defRPr sz="900" kern="1200"/>
+  </cs:legend>
+  <cs:plotArea mods="allowNoFillOverride allowNoLineOverride">
+    <cs:lnRef idx="0"/>
+    <cs:fillRef idx="0"/>
+    <cs:effectRef idx="0"/>
+    <cs:fontRef idx="minor">
+      <a:schemeClr val="tx1"/>
+    </cs:fontRef>
+  </cs:plotArea>
+  <cs:plotArea3D mods="allowNoFillOverride allowNoLineOverride">
+    <cs:lnRef idx="0"/>
+    <cs:fillRef idx="0"/>
+    <cs:effectRef idx="0"/>
+    <cs:fontRef idx="minor">
+      <a:schemeClr val="tx1"/>
+    </cs:fontRef>
+  </cs:plotArea3D>
+  <cs:seriesAxis>
+    <cs:lnRef idx="0"/>
+    <cs:fillRef idx="0"/>
+    <cs:effectRef idx="0"/>
+    <cs:fontRef idx="minor">
+      <a:schemeClr val="tx1">
+        <a:lumMod val="65000"/>
+        <a:lumOff val="35000"/>
+      </a:schemeClr>
+    </cs:fontRef>
+    <cs:defRPr sz="900" kern="1200"/>
+  </cs:seriesAxis>
+  <cs:seriesLine>
+    <cs:lnRef idx="0"/>
+    <cs:fillRef idx="0"/>
+    <cs:effectRef idx="0"/>
+    <cs:fontRef idx="minor">
+      <a:schemeClr val="tx1"/>
+    </cs:fontRef>
+    <cs:spPr>
+      <a:ln w="9525" cap="flat" cmpd="sng" algn="ctr">
+        <a:solidFill>
+          <a:schemeClr val="tx1">
+            <a:lumMod val="35000"/>
+            <a:lumOff val="65000"/>
+          </a:schemeClr>
+        </a:solidFill>
+        <a:round/>
+      </a:ln>
+    </cs:spPr>
+  </cs:seriesLine>
+  <cs:title>
+    <cs:lnRef idx="0"/>
+    <cs:fillRef idx="0"/>
+    <cs:effectRef idx="0"/>
+    <cs:fontRef idx="minor">
+      <a:schemeClr val="tx1">
+        <a:lumMod val="65000"/>
+        <a:lumOff val="35000"/>
+      </a:schemeClr>
+    </cs:fontRef>
+    <cs:defRPr sz="1400" b="0" kern="1200" spc="0" baseline="0"/>
+  </cs:title>
+  <cs:trendline>
+    <cs:lnRef idx="0">
+      <cs:styleClr val="auto"/>
+    </cs:lnRef>
+    <cs:fillRef idx="0"/>
+    <cs:effectRef idx="0"/>
+    <cs:fontRef idx="minor">
+      <a:schemeClr val="tx1"/>
+    </cs:fontRef>
+    <cs:spPr>
+      <a:ln w="19050" cap="rnd">
+        <a:solidFill>
+          <a:schemeClr val="phClr"/>
+        </a:solidFill>
+        <a:prstDash val="sysDot"/>
+      </a:ln>
+    </cs:spPr>
+  </cs:trendline>
+  <cs:trendlineLabel>
+    <cs:lnRef idx="0"/>
+    <cs:fillRef idx="0"/>
+    <cs:effectRef idx="0"/>
+    <cs:fontRef idx="minor">
+      <a:schemeClr val="tx1">
+        <a:lumMod val="65000"/>
+        <a:lumOff val="35000"/>
+      </a:schemeClr>
+    </cs:fontRef>
+    <cs:defRPr sz="900" kern="1200"/>
+  </cs:trendlineLabel>
+  <cs:upBar>
+    <cs:lnRef idx="0"/>
+    <cs:fillRef idx="0"/>
+    <cs:effectRef idx="0"/>
+    <cs:fontRef idx="minor">
+      <a:schemeClr val="tx1"/>
+    </cs:fontRef>
+    <cs:spPr>
+      <a:solidFill>
+        <a:schemeClr val="lt1"/>
+      </a:solidFill>
+      <a:ln w="9525" cap="flat" cmpd="sng" algn="ctr">
+        <a:solidFill>
+          <a:schemeClr val="tx1">
+            <a:lumMod val="65000"/>
+            <a:lumOff val="35000"/>
+          </a:schemeClr>
+        </a:solidFill>
+        <a:round/>
+      </a:ln>
+    </cs:spPr>
+  </cs:upBar>
+  <cs:valueAxis>
+    <cs:lnRef idx="0"/>
+    <cs:fillRef idx="0"/>
+    <cs:effectRef idx="0"/>
+    <cs:fontRef idx="minor">
+      <a:schemeClr val="tx1">
+        <a:lumMod val="65000"/>
+        <a:lumOff val="35000"/>
+      </a:schemeClr>
+    </cs:fontRef>
+    <cs:defRPr sz="900" kern="1200"/>
+  </cs:valueAxis>
+  <cs:wall>
+    <cs:lnRef idx="0"/>
+    <cs:fillRef idx="0"/>
+    <cs:effectRef idx="0"/>
+    <cs:fontRef idx="minor">
+      <a:schemeClr val="tx1"/>
+    </cs:fontRef>
+    <cs:spPr>
+      <a:noFill/>
+      <a:ln>
+        <a:noFill/>
+      </a:ln>
+    </cs:spPr>
+  </cs:wall>
+</cs:chartStyle>
+</file>
+
+<file path=ppt/charts/style3.xml><?xml version="1.0" encoding="utf-8"?>
+<cs:chartStyle xmlns:cs="http://schemas.microsoft.com/office/drawing/2012/chartStyle" xmlns:a="http://schemas.openxmlformats.org/drawingml/2006/main" id="251">
+  <cs:axisTitle>
+    <cs:lnRef idx="0"/>
+    <cs:fillRef idx="0"/>
+    <cs:effectRef idx="0"/>
+    <cs:fontRef idx="minor">
+      <a:schemeClr val="tx1">
+        <a:lumMod val="65000"/>
+        <a:lumOff val="35000"/>
+      </a:schemeClr>
+    </cs:fontRef>
+    <cs:defRPr sz="1000" kern="1200"/>
+  </cs:axisTitle>
+  <cs:categoryAxis>
+    <cs:lnRef idx="0"/>
+    <cs:fillRef idx="0"/>
+    <cs:effectRef idx="0"/>
+    <cs:fontRef idx="minor">
+      <a:schemeClr val="tx1">
+        <a:lumMod val="65000"/>
+        <a:lumOff val="35000"/>
+      </a:schemeClr>
+    </cs:fontRef>
+    <cs:spPr>
+      <a:ln w="9525" cap="flat" cmpd="sng" algn="ctr">
+        <a:solidFill>
+          <a:schemeClr val="tx1">
+            <a:lumMod val="15000"/>
+            <a:lumOff val="85000"/>
+          </a:schemeClr>
+        </a:solidFill>
+        <a:round/>
+      </a:ln>
+    </cs:spPr>
+    <cs:defRPr sz="900" kern="1200"/>
+  </cs:categoryAxis>
+  <cs:chartArea mods="allowNoFillOverride allowNoLineOverride">
+    <cs:lnRef idx="0"/>
+    <cs:fillRef idx="0"/>
+    <cs:effectRef idx="0"/>
+    <cs:fontRef idx="minor">
+      <a:schemeClr val="tx1"/>
+    </cs:fontRef>
+    <cs:spPr>
+      <a:solidFill>
+        <a:schemeClr val="bg1"/>
+      </a:solidFill>
+      <a:ln w="9525" cap="flat" cmpd="sng" algn="ctr">
+        <a:solidFill>
+          <a:schemeClr val="tx1">
+            <a:lumMod val="15000"/>
+            <a:lumOff val="85000"/>
+          </a:schemeClr>
+        </a:solidFill>
+        <a:round/>
+      </a:ln>
+    </cs:spPr>
+    <cs:defRPr sz="900" kern="1200"/>
+  </cs:chartArea>
+  <cs:dataLabel>
+    <cs:lnRef idx="0"/>
+    <cs:fillRef idx="0"/>
+    <cs:effectRef idx="0"/>
+    <cs:fontRef idx="minor">
+      <a:schemeClr val="tx1">
+        <a:lumMod val="75000"/>
+        <a:lumOff val="25000"/>
+      </a:schemeClr>
+    </cs:fontRef>
+    <cs:defRPr sz="900" kern="1200"/>
+  </cs:dataLabel>
+  <cs:dataLabelCallout>
+    <cs:lnRef idx="0"/>
+    <cs:fillRef idx="0"/>
+    <cs:effectRef idx="0"/>
+    <cs:fontRef idx="minor">
+      <a:schemeClr val="dk1">
+        <a:lumMod val="65000"/>
+        <a:lumOff val="35000"/>
+      </a:schemeClr>
+    </cs:fontRef>
+    <cs:spPr>
+      <a:solidFill>
+        <a:schemeClr val="lt1"/>
+      </a:solidFill>
+      <a:ln>
+        <a:solidFill>
+          <a:schemeClr val="dk1">
+            <a:lumMod val="25000"/>
+            <a:lumOff val="75000"/>
+          </a:schemeClr>
+        </a:solidFill>
+      </a:ln>
+    </cs:spPr>
+    <cs:defRPr sz="900" kern="1200"/>
+    <cs:bodyPr rot="0" spcFirstLastPara="1" vertOverflow="clip" horzOverflow="clip" vert="horz" wrap="square" lIns="36576" tIns="18288" rIns="36576" bIns="18288" anchor="ctr" anchorCtr="1">
+      <a:spAutoFit/>
+    </cs:bodyPr>
+  </cs:dataLabelCallout>
+  <cs:dataPoint>
+    <cs:lnRef idx="0"/>
+    <cs:fillRef idx="1">
+      <cs:styleClr val="auto"/>
+    </cs:fillRef>
+    <cs:effectRef idx="0"/>
+    <cs:fontRef idx="minor">
+      <a:schemeClr val="tx1"/>
+    </cs:fontRef>
+    <cs:spPr>
+      <a:ln w="19050">
+        <a:solidFill>
+          <a:schemeClr val="lt1"/>
+        </a:solidFill>
+      </a:ln>
+    </cs:spPr>
+  </cs:dataPoint>
+  <cs:dataPoint3D>
+    <cs:lnRef idx="0"/>
+    <cs:fillRef idx="1">
+      <cs:styleClr val="auto"/>
+    </cs:fillRef>
+    <cs:effectRef idx="0"/>
+    <cs:fontRef idx="minor">
+      <a:schemeClr val="tx1"/>
+    </cs:fontRef>
+    <cs:spPr>
+      <a:ln w="25400">
+        <a:solidFill>
+          <a:schemeClr val="lt1"/>
+        </a:solidFill>
+      </a:ln>
+    </cs:spPr>
+  </cs:dataPoint3D>
+  <cs:dataPointLine>
+    <cs:lnRef idx="0">
+      <cs:styleClr val="auto"/>
+    </cs:lnRef>
+    <cs:fillRef idx="0"/>
+    <cs:effectRef idx="0"/>
+    <cs:fontRef idx="minor">
+      <a:schemeClr val="tx1"/>
+    </cs:fontRef>
+    <cs:spPr>
+      <a:ln w="28575" cap="rnd">
+        <a:solidFill>
+          <a:schemeClr val="phClr"/>
+        </a:solidFill>
+        <a:round/>
+      </a:ln>
+    </cs:spPr>
+  </cs:dataPointLine>
+  <cs:dataPointMarker>
+    <cs:lnRef idx="0">
+      <cs:styleClr val="auto"/>
+    </cs:lnRef>
+    <cs:fillRef idx="1">
+      <cs:styleClr val="auto"/>
+    </cs:fillRef>
+    <cs:effectRef idx="0"/>
+    <cs:fontRef idx="minor">
+      <a:schemeClr val="tx1"/>
+    </cs:fontRef>
+    <cs:spPr>
+      <a:ln w="9525">
+        <a:solidFill>
+          <a:schemeClr val="phClr"/>
+        </a:solidFill>
+      </a:ln>
+    </cs:spPr>
+  </cs:dataPointMarker>
+  <cs:dataPointMarkerLayout symbol="circle" size="5"/>
+  <cs:dataPointWireframe>
+    <cs:lnRef idx="0">
+      <cs:styleClr val="auto"/>
+    </cs:lnRef>
+    <cs:fillRef idx="0"/>
+    <cs:effectRef idx="0"/>
+    <cs:fontRef idx="minor">
+      <a:schemeClr val="tx1"/>
+    </cs:fontRef>
+    <cs:spPr>
+      <a:ln w="9525" cap="rnd">
+        <a:solidFill>
+          <a:schemeClr val="phClr"/>
+        </a:solidFill>
+        <a:round/>
+      </a:ln>
+    </cs:spPr>
+  </cs:dataPointWireframe>
+  <cs:dataTable>
+    <cs:lnRef idx="0"/>
+    <cs:fillRef idx="0"/>
+    <cs:effectRef idx="0"/>
+    <cs:fontRef idx="minor">
+      <a:schemeClr val="tx1">
+        <a:lumMod val="65000"/>
+        <a:lumOff val="35000"/>
+      </a:schemeClr>
+    </cs:fontRef>
+    <cs:spPr>
+      <a:noFill/>
+      <a:ln w="9525" cap="flat" cmpd="sng" algn="ctr">
+        <a:solidFill>
+          <a:schemeClr val="tx1">
+            <a:lumMod val="15000"/>
+            <a:lumOff val="85000"/>
+          </a:schemeClr>
+        </a:solidFill>
+        <a:round/>
+      </a:ln>
+    </cs:spPr>
+    <cs:defRPr sz="900" kern="1200"/>
+  </cs:dataTable>
+  <cs:downBar>
+    <cs:lnRef idx="0"/>
+    <cs:fillRef idx="0"/>
+    <cs:effectRef idx="0"/>
+    <cs:fontRef idx="minor">
+      <a:schemeClr val="tx1"/>
+    </cs:fontRef>
+    <cs:spPr>
+      <a:solidFill>
+        <a:schemeClr val="dk1">
+          <a:lumMod val="75000"/>
+          <a:lumOff val="25000"/>
+        </a:schemeClr>
+      </a:solidFill>
+      <a:ln w="9525" cap="flat" cmpd="sng" algn="ctr">
+        <a:solidFill>
+          <a:schemeClr val="tx1">
+            <a:lumMod val="65000"/>
+            <a:lumOff val="35000"/>
+          </a:schemeClr>
+        </a:solidFill>
+        <a:round/>
+      </a:ln>
+    </cs:spPr>
+  </cs:downBar>
+  <cs:dropLine>
+    <cs:lnRef idx="0"/>
+    <cs:fillRef idx="0"/>
+    <cs:effectRef idx="0"/>
+    <cs:fontRef idx="minor">
+      <a:schemeClr val="tx1"/>
+    </cs:fontRef>
+    <cs:spPr>
+      <a:ln w="9525" cap="flat" cmpd="sng" algn="ctr">
+        <a:solidFill>
+          <a:schemeClr val="tx1">
+            <a:lumMod val="35000"/>
+            <a:lumOff val="65000"/>
+          </a:schemeClr>
+        </a:solidFill>
+        <a:round/>
+      </a:ln>
+    </cs:spPr>
+  </cs:dropLine>
+  <cs:errorBar>
+    <cs:lnRef idx="0"/>
+    <cs:fillRef idx="0"/>
+    <cs:effectRef idx="0"/>
+    <cs:fontRef idx="minor">
+      <a:schemeClr val="tx1"/>
+    </cs:fontRef>
+    <cs:spPr>
+      <a:ln w="9525" cap="flat" cmpd="sng" algn="ctr">
+        <a:solidFill>
+          <a:schemeClr val="tx1">
+            <a:lumMod val="65000"/>
+            <a:lumOff val="35000"/>
+          </a:schemeClr>
+        </a:solidFill>
+        <a:round/>
+      </a:ln>
+    </cs:spPr>
+  </cs:errorBar>
+  <cs:floor>
+    <cs:lnRef idx="0"/>
+    <cs:fillRef idx="0"/>
+    <cs:effectRef idx="0"/>
+    <cs:fontRef idx="minor">
+      <a:schemeClr val="tx1"/>
+    </cs:fontRef>
+    <cs:spPr>
+      <a:noFill/>
+      <a:ln>
+        <a:noFill/>
+      </a:ln>
+    </cs:spPr>
+  </cs:floor>
+  <cs:gridlineMajor>
+    <cs:lnRef idx="0"/>
+    <cs:fillRef idx="0"/>
+    <cs:effectRef idx="0"/>
+    <cs:fontRef idx="minor">
+      <a:schemeClr val="tx1"/>
+    </cs:fontRef>
+    <cs:spPr>
+      <a:ln w="9525" cap="flat" cmpd="sng" algn="ctr">
+        <a:solidFill>
+          <a:schemeClr val="tx1">
+            <a:lumMod val="15000"/>
+            <a:lumOff val="85000"/>
+          </a:schemeClr>
+        </a:solidFill>
+        <a:round/>
+      </a:ln>
+    </cs:spPr>
+  </cs:gridlineMajor>
+  <cs:gridlineMinor>
+    <cs:lnRef idx="0"/>
+    <cs:fillRef idx="0"/>
+    <cs:effectRef idx="0"/>
+    <cs:fontRef idx="minor">
+      <a:schemeClr val="tx1"/>
+    </cs:fontRef>
+    <cs:spPr>
+      <a:ln w="9525" cap="flat" cmpd="sng" algn="ctr">
+        <a:solidFill>
+          <a:schemeClr val="tx1">
+            <a:lumMod val="5000"/>
+            <a:lumOff val="95000"/>
+          </a:schemeClr>
+        </a:solidFill>
+        <a:round/>
+      </a:ln>
+    </cs:spPr>
+  </cs:gridlineMinor>
+  <cs:hiLoLine>
+    <cs:lnRef idx="0"/>
+    <cs:fillRef idx="0"/>
+    <cs:effectRef idx="0"/>
+    <cs:fontRef idx="minor">
+      <a:schemeClr val="tx1"/>
+    </cs:fontRef>
+    <cs:spPr>
+      <a:ln w="9525" cap="flat" cmpd="sng" algn="ctr">
+        <a:solidFill>
+          <a:schemeClr val="tx1">
+            <a:lumMod val="50000"/>
+            <a:lumOff val="50000"/>
+          </a:schemeClr>
+        </a:solidFill>
+        <a:round/>
+      </a:ln>
+    </cs:spPr>
+  </cs:hiLoLine>
+  <cs:leaderLine>
+    <cs:lnRef idx="0"/>
+    <cs:fillRef idx="0"/>
+    <cs:effectRef idx="0"/>
+    <cs:fontRef idx="minor">
+      <a:schemeClr val="tx1"/>
+    </cs:fontRef>
+    <cs:spPr>
+      <a:ln w="9525" cap="flat" cmpd="sng" algn="ctr">
+        <a:solidFill>
+          <a:schemeClr val="tx1">
+            <a:lumMod val="35000"/>
+            <a:lumOff val="65000"/>
+          </a:schemeClr>
+        </a:solidFill>
+        <a:round/>
+      </a:ln>
+    </cs:spPr>
+  </cs:leaderLine>
+  <cs:legend>
+    <cs:lnRef idx="0"/>
+    <cs:fillRef idx="0"/>
+    <cs:effectRef idx="0"/>
+    <cs:fontRef idx="minor">
+      <a:schemeClr val="tx1">
+        <a:lumMod val="65000"/>
+        <a:lumOff val="35000"/>
+      </a:schemeClr>
+    </cs:fontRef>
+    <cs:defRPr sz="900" kern="1200"/>
+  </cs:legend>
+  <cs:plotArea mods="allowNoFillOverride allowNoLineOverride">
+    <cs:lnRef idx="0"/>
+    <cs:fillRef idx="0"/>
+    <cs:effectRef idx="0"/>
+    <cs:fontRef idx="minor">
+      <a:schemeClr val="tx1"/>
+    </cs:fontRef>
+  </cs:plotArea>
+  <cs:plotArea3D mods="allowNoFillOverride allowNoLineOverride">
+    <cs:lnRef idx="0"/>
+    <cs:fillRef idx="0"/>
+    <cs:effectRef idx="0"/>
+    <cs:fontRef idx="minor">
+      <a:schemeClr val="tx1"/>
+    </cs:fontRef>
+  </cs:plotArea3D>
+  <cs:seriesAxis>
+    <cs:lnRef idx="0"/>
+    <cs:fillRef idx="0"/>
+    <cs:effectRef idx="0"/>
+    <cs:fontRef idx="minor">
+      <a:schemeClr val="tx1">
+        <a:lumMod val="65000"/>
+        <a:lumOff val="35000"/>
+      </a:schemeClr>
+    </cs:fontRef>
+    <cs:defRPr sz="900" kern="1200"/>
+  </cs:seriesAxis>
+  <cs:seriesLine>
+    <cs:lnRef idx="0"/>
+    <cs:fillRef idx="0"/>
+    <cs:effectRef idx="0"/>
+    <cs:fontRef idx="minor">
+      <a:schemeClr val="tx1"/>
+    </cs:fontRef>
+    <cs:spPr>
+      <a:ln w="9525" cap="flat" cmpd="sng" algn="ctr">
+        <a:solidFill>
+          <a:schemeClr val="tx1">
+            <a:lumMod val="35000"/>
+            <a:lumOff val="65000"/>
+          </a:schemeClr>
+        </a:solidFill>
+        <a:round/>
+      </a:ln>
+    </cs:spPr>
+  </cs:seriesLine>
+  <cs:title>
+    <cs:lnRef idx="0"/>
+    <cs:fillRef idx="0"/>
+    <cs:effectRef idx="0"/>
+    <cs:fontRef idx="minor">
+      <a:schemeClr val="tx1">
+        <a:lumMod val="65000"/>
+        <a:lumOff val="35000"/>
+      </a:schemeClr>
+    </cs:fontRef>
+    <cs:defRPr sz="1400" b="0" kern="1200" spc="0" baseline="0"/>
+  </cs:title>
+  <cs:trendline>
+    <cs:lnRef idx="0">
+      <cs:styleClr val="auto"/>
+    </cs:lnRef>
+    <cs:fillRef idx="0"/>
+    <cs:effectRef idx="0"/>
+    <cs:fontRef idx="minor">
+      <a:schemeClr val="tx1"/>
+    </cs:fontRef>
+    <cs:spPr>
+      <a:ln w="19050" cap="rnd">
+        <a:solidFill>
+          <a:schemeClr val="phClr"/>
+        </a:solidFill>
+        <a:prstDash val="sysDot"/>
+      </a:ln>
+    </cs:spPr>
+  </cs:trendline>
+  <cs:trendlineLabel>
+    <cs:lnRef idx="0"/>
+    <cs:fillRef idx="0"/>
+    <cs:effectRef idx="0"/>
+    <cs:fontRef idx="minor">
+      <a:schemeClr val="tx1">
+        <a:lumMod val="65000"/>
+        <a:lumOff val="35000"/>
+      </a:schemeClr>
+    </cs:fontRef>
+    <cs:defRPr sz="900" kern="1200"/>
+  </cs:trendlineLabel>
+  <cs:upBar>
+    <cs:lnRef idx="0"/>
+    <cs:fillRef idx="0"/>
+    <cs:effectRef idx="0"/>
+    <cs:fontRef idx="minor">
+      <a:schemeClr val="tx1"/>
+    </cs:fontRef>
+    <cs:spPr>
+      <a:solidFill>
+        <a:schemeClr val="lt1"/>
+      </a:solidFill>
+      <a:ln w="9525" cap="flat" cmpd="sng" algn="ctr">
+        <a:solidFill>
+          <a:schemeClr val="tx1">
+            <a:lumMod val="65000"/>
+            <a:lumOff val="35000"/>
+          </a:schemeClr>
+        </a:solidFill>
+        <a:round/>
+      </a:ln>
+    </cs:spPr>
+  </cs:upBar>
+  <cs:valueAxis>
+    <cs:lnRef idx="0"/>
+    <cs:fillRef idx="0"/>
+    <cs:effectRef idx="0"/>
+    <cs:fontRef idx="minor">
+      <a:schemeClr val="tx1">
+        <a:lumMod val="65000"/>
+        <a:lumOff val="35000"/>
+      </a:schemeClr>
+    </cs:fontRef>
+    <cs:defRPr sz="900" kern="1200"/>
   </cs:valueAxis>
   <cs:wall>
     <cs:lnRef idx="0"/>
@@ -1016,10 +2812,9 @@
           </a:lstStyle>
           <a:p>
             <a:r>
-              <a:rPr lang="pt-BR" smtClean="0"/>
+              <a:rPr lang="pt-BR"/>
               <a:t>Clique para editar o título mestre</a:t>
             </a:r>
-            <a:endParaRPr lang="pt-BR"/>
           </a:p>
         </p:txBody>
       </p:sp>
@@ -1081,10 +2876,9 @@
           </a:lstStyle>
           <a:p>
             <a:r>
-              <a:rPr lang="pt-BR" smtClean="0"/>
+              <a:rPr lang="pt-BR"/>
               <a:t>Clique para editar o estilo do subtítulo Mestre</a:t>
             </a:r>
-            <a:endParaRPr lang="pt-BR"/>
           </a:p>
         </p:txBody>
       </p:sp>
@@ -1105,7 +2899,7 @@
           <a:p>
             <a:fld id="{6E28C31E-E52A-4795-8BEB-BF62D4D9B2E6}" type="datetimeFigureOut">
               <a:rPr lang="pt-BR" smtClean="0"/>
-              <a:t>26/02/2018</a:t>
+              <a:t>31/01/2019</a:t>
             </a:fld>
             <a:endParaRPr lang="pt-BR"/>
           </a:p>
@@ -1147,7 +2941,7 @@
           <a:p>
             <a:fld id="{F1448CDA-63FB-4561-9C89-AA3737201AB4}" type="slidenum">
               <a:rPr lang="pt-BR" smtClean="0"/>
-              <a:t>‹nº›</a:t>
+              <a:t>‹#›</a:t>
             </a:fld>
             <a:endParaRPr lang="pt-BR"/>
           </a:p>
@@ -1199,10 +2993,9 @@
           <a:lstStyle/>
           <a:p>
             <a:r>
-              <a:rPr lang="pt-BR" smtClean="0"/>
+              <a:rPr lang="pt-BR"/>
               <a:t>Clique para editar o título mestre</a:t>
             </a:r>
-            <a:endParaRPr lang="pt-BR"/>
           </a:p>
         </p:txBody>
       </p:sp>
@@ -1223,38 +3016,37 @@
           <a:p>
             <a:pPr lvl="0"/>
             <a:r>
-              <a:rPr lang="pt-BR" smtClean="0"/>
+              <a:rPr lang="pt-BR"/>
               <a:t>Editar estilos de texto Mestre</a:t>
             </a:r>
           </a:p>
           <a:p>
             <a:pPr lvl="1"/>
             <a:r>
-              <a:rPr lang="pt-BR" smtClean="0"/>
+              <a:rPr lang="pt-BR"/>
               <a:t>Segundo nível</a:t>
             </a:r>
           </a:p>
           <a:p>
             <a:pPr lvl="2"/>
             <a:r>
-              <a:rPr lang="pt-BR" smtClean="0"/>
+              <a:rPr lang="pt-BR"/>
               <a:t>Terceiro nível</a:t>
             </a:r>
           </a:p>
           <a:p>
             <a:pPr lvl="3"/>
             <a:r>
-              <a:rPr lang="pt-BR" smtClean="0"/>
+              <a:rPr lang="pt-BR"/>
               <a:t>Quarto nível</a:t>
             </a:r>
           </a:p>
           <a:p>
             <a:pPr lvl="4"/>
             <a:r>
-              <a:rPr lang="pt-BR" smtClean="0"/>
+              <a:rPr lang="pt-BR"/>
               <a:t>Quinto nível</a:t>
             </a:r>
-            <a:endParaRPr lang="pt-BR"/>
           </a:p>
         </p:txBody>
       </p:sp>
@@ -1275,7 +3067,7 @@
           <a:p>
             <a:fld id="{6E28C31E-E52A-4795-8BEB-BF62D4D9B2E6}" type="datetimeFigureOut">
               <a:rPr lang="pt-BR" smtClean="0"/>
-              <a:t>26/02/2018</a:t>
+              <a:t>31/01/2019</a:t>
             </a:fld>
             <a:endParaRPr lang="pt-BR"/>
           </a:p>
@@ -1317,7 +3109,7 @@
           <a:p>
             <a:fld id="{F1448CDA-63FB-4561-9C89-AA3737201AB4}" type="slidenum">
               <a:rPr lang="pt-BR" smtClean="0"/>
-              <a:t>‹nº›</a:t>
+              <a:t>‹#›</a:t>
             </a:fld>
             <a:endParaRPr lang="pt-BR"/>
           </a:p>
@@ -1374,10 +3166,9 @@
           <a:lstStyle/>
           <a:p>
             <a:r>
-              <a:rPr lang="pt-BR" smtClean="0"/>
+              <a:rPr lang="pt-BR"/>
               <a:t>Clique para editar o título mestre</a:t>
             </a:r>
-            <a:endParaRPr lang="pt-BR"/>
           </a:p>
         </p:txBody>
       </p:sp>
@@ -1403,38 +3194,37 @@
           <a:p>
             <a:pPr lvl="0"/>
             <a:r>
-              <a:rPr lang="pt-BR" smtClean="0"/>
+              <a:rPr lang="pt-BR"/>
               <a:t>Editar estilos de texto Mestre</a:t>
             </a:r>
           </a:p>
           <a:p>
             <a:pPr lvl="1"/>
             <a:r>
-              <a:rPr lang="pt-BR" smtClean="0"/>
+              <a:rPr lang="pt-BR"/>
               <a:t>Segundo nível</a:t>
             </a:r>
           </a:p>
           <a:p>
             <a:pPr lvl="2"/>
             <a:r>
-              <a:rPr lang="pt-BR" smtClean="0"/>
+              <a:rPr lang="pt-BR"/>
               <a:t>Terceiro nível</a:t>
             </a:r>
           </a:p>
           <a:p>
             <a:pPr lvl="3"/>
             <a:r>
-              <a:rPr lang="pt-BR" smtClean="0"/>
+              <a:rPr lang="pt-BR"/>
               <a:t>Quarto nível</a:t>
             </a:r>
           </a:p>
           <a:p>
             <a:pPr lvl="4"/>
             <a:r>
-              <a:rPr lang="pt-BR" smtClean="0"/>
+              <a:rPr lang="pt-BR"/>
               <a:t>Quinto nível</a:t>
             </a:r>
-            <a:endParaRPr lang="pt-BR"/>
           </a:p>
         </p:txBody>
       </p:sp>
@@ -1455,7 +3245,7 @@
           <a:p>
             <a:fld id="{6E28C31E-E52A-4795-8BEB-BF62D4D9B2E6}" type="datetimeFigureOut">
               <a:rPr lang="pt-BR" smtClean="0"/>
-              <a:t>26/02/2018</a:t>
+              <a:t>31/01/2019</a:t>
             </a:fld>
             <a:endParaRPr lang="pt-BR"/>
           </a:p>
@@ -1497,7 +3287,7 @@
           <a:p>
             <a:fld id="{F1448CDA-63FB-4561-9C89-AA3737201AB4}" type="slidenum">
               <a:rPr lang="pt-BR" smtClean="0"/>
-              <a:t>‹nº›</a:t>
+              <a:t>‹#›</a:t>
             </a:fld>
             <a:endParaRPr lang="pt-BR"/>
           </a:p>
@@ -1549,10 +3339,9 @@
           <a:lstStyle/>
           <a:p>
             <a:r>
-              <a:rPr lang="pt-BR" smtClean="0"/>
+              <a:rPr lang="pt-BR"/>
               <a:t>Clique para editar o título mestre</a:t>
             </a:r>
-            <a:endParaRPr lang="pt-BR"/>
           </a:p>
         </p:txBody>
       </p:sp>
@@ -1573,38 +3362,37 @@
           <a:p>
             <a:pPr lvl="0"/>
             <a:r>
-              <a:rPr lang="pt-BR" smtClean="0"/>
+              <a:rPr lang="pt-BR"/>
               <a:t>Editar estilos de texto Mestre</a:t>
             </a:r>
           </a:p>
           <a:p>
             <a:pPr lvl="1"/>
             <a:r>
-              <a:rPr lang="pt-BR" smtClean="0"/>
+              <a:rPr lang="pt-BR"/>
               <a:t>Segundo nível</a:t>
             </a:r>
           </a:p>
           <a:p>
             <a:pPr lvl="2"/>
             <a:r>
-              <a:rPr lang="pt-BR" smtClean="0"/>
+              <a:rPr lang="pt-BR"/>
               <a:t>Terceiro nível</a:t>
             </a:r>
           </a:p>
           <a:p>
             <a:pPr lvl="3"/>
             <a:r>
-              <a:rPr lang="pt-BR" smtClean="0"/>
+              <a:rPr lang="pt-BR"/>
               <a:t>Quarto nível</a:t>
             </a:r>
           </a:p>
           <a:p>
             <a:pPr lvl="4"/>
             <a:r>
-              <a:rPr lang="pt-BR" smtClean="0"/>
+              <a:rPr lang="pt-BR"/>
               <a:t>Quinto nível</a:t>
             </a:r>
-            <a:endParaRPr lang="pt-BR"/>
           </a:p>
         </p:txBody>
       </p:sp>
@@ -1625,7 +3413,7 @@
           <a:p>
             <a:fld id="{6E28C31E-E52A-4795-8BEB-BF62D4D9B2E6}" type="datetimeFigureOut">
               <a:rPr lang="pt-BR" smtClean="0"/>
-              <a:t>26/02/2018</a:t>
+              <a:t>31/01/2019</a:t>
             </a:fld>
             <a:endParaRPr lang="pt-BR"/>
           </a:p>
@@ -1667,7 +3455,7 @@
           <a:p>
             <a:fld id="{F1448CDA-63FB-4561-9C89-AA3737201AB4}" type="slidenum">
               <a:rPr lang="pt-BR" smtClean="0"/>
-              <a:t>‹nº›</a:t>
+              <a:t>‹#›</a:t>
             </a:fld>
             <a:endParaRPr lang="pt-BR"/>
           </a:p>
@@ -1728,10 +3516,9 @@
           </a:lstStyle>
           <a:p>
             <a:r>
-              <a:rPr lang="pt-BR" smtClean="0"/>
+              <a:rPr lang="pt-BR"/>
               <a:t>Clique para editar o título mestre</a:t>
             </a:r>
-            <a:endParaRPr lang="pt-BR"/>
           </a:p>
         </p:txBody>
       </p:sp>
@@ -1848,7 +3635,7 @@
           <a:p>
             <a:pPr lvl="0"/>
             <a:r>
-              <a:rPr lang="pt-BR" smtClean="0"/>
+              <a:rPr lang="pt-BR"/>
               <a:t>Editar estilos de texto Mestre</a:t>
             </a:r>
           </a:p>
@@ -1871,7 +3658,7 @@
           <a:p>
             <a:fld id="{6E28C31E-E52A-4795-8BEB-BF62D4D9B2E6}" type="datetimeFigureOut">
               <a:rPr lang="pt-BR" smtClean="0"/>
-              <a:t>26/02/2018</a:t>
+              <a:t>31/01/2019</a:t>
             </a:fld>
             <a:endParaRPr lang="pt-BR"/>
           </a:p>
@@ -1913,7 +3700,7 @@
           <a:p>
             <a:fld id="{F1448CDA-63FB-4561-9C89-AA3737201AB4}" type="slidenum">
               <a:rPr lang="pt-BR" smtClean="0"/>
-              <a:t>‹nº›</a:t>
+              <a:t>‹#›</a:t>
             </a:fld>
             <a:endParaRPr lang="pt-BR"/>
           </a:p>
@@ -1965,10 +3752,9 @@
           <a:lstStyle/>
           <a:p>
             <a:r>
-              <a:rPr lang="pt-BR" smtClean="0"/>
+              <a:rPr lang="pt-BR"/>
               <a:t>Clique para editar o título mestre</a:t>
             </a:r>
-            <a:endParaRPr lang="pt-BR"/>
           </a:p>
         </p:txBody>
       </p:sp>
@@ -1994,38 +3780,37 @@
           <a:p>
             <a:pPr lvl="0"/>
             <a:r>
-              <a:rPr lang="pt-BR" smtClean="0"/>
+              <a:rPr lang="pt-BR"/>
               <a:t>Editar estilos de texto Mestre</a:t>
             </a:r>
           </a:p>
           <a:p>
             <a:pPr lvl="1"/>
             <a:r>
-              <a:rPr lang="pt-BR" smtClean="0"/>
+              <a:rPr lang="pt-BR"/>
               <a:t>Segundo nível</a:t>
             </a:r>
           </a:p>
           <a:p>
             <a:pPr lvl="2"/>
             <a:r>
-              <a:rPr lang="pt-BR" smtClean="0"/>
+              <a:rPr lang="pt-BR"/>
               <a:t>Terceiro nível</a:t>
             </a:r>
           </a:p>
           <a:p>
             <a:pPr lvl="3"/>
             <a:r>
-              <a:rPr lang="pt-BR" smtClean="0"/>
+              <a:rPr lang="pt-BR"/>
               <a:t>Quarto nível</a:t>
             </a:r>
           </a:p>
           <a:p>
             <a:pPr lvl="4"/>
             <a:r>
-              <a:rPr lang="pt-BR" smtClean="0"/>
+              <a:rPr lang="pt-BR"/>
               <a:t>Quinto nível</a:t>
             </a:r>
-            <a:endParaRPr lang="pt-BR"/>
           </a:p>
         </p:txBody>
       </p:sp>
@@ -2051,38 +3836,37 @@
           <a:p>
             <a:pPr lvl="0"/>
             <a:r>
-              <a:rPr lang="pt-BR" smtClean="0"/>
+              <a:rPr lang="pt-BR"/>
               <a:t>Editar estilos de texto Mestre</a:t>
             </a:r>
           </a:p>
           <a:p>
             <a:pPr lvl="1"/>
             <a:r>
-              <a:rPr lang="pt-BR" smtClean="0"/>
+              <a:rPr lang="pt-BR"/>
               <a:t>Segundo nível</a:t>
             </a:r>
           </a:p>
           <a:p>
             <a:pPr lvl="2"/>
             <a:r>
-              <a:rPr lang="pt-BR" smtClean="0"/>
+              <a:rPr lang="pt-BR"/>
               <a:t>Terceiro nível</a:t>
             </a:r>
           </a:p>
           <a:p>
             <a:pPr lvl="3"/>
             <a:r>
-              <a:rPr lang="pt-BR" smtClean="0"/>
+              <a:rPr lang="pt-BR"/>
               <a:t>Quarto nível</a:t>
             </a:r>
           </a:p>
           <a:p>
             <a:pPr lvl="4"/>
             <a:r>
-              <a:rPr lang="pt-BR" smtClean="0"/>
+              <a:rPr lang="pt-BR"/>
               <a:t>Quinto nível</a:t>
             </a:r>
-            <a:endParaRPr lang="pt-BR"/>
           </a:p>
         </p:txBody>
       </p:sp>
@@ -2103,7 +3887,7 @@
           <a:p>
             <a:fld id="{6E28C31E-E52A-4795-8BEB-BF62D4D9B2E6}" type="datetimeFigureOut">
               <a:rPr lang="pt-BR" smtClean="0"/>
-              <a:t>26/02/2018</a:t>
+              <a:t>31/01/2019</a:t>
             </a:fld>
             <a:endParaRPr lang="pt-BR"/>
           </a:p>
@@ -2145,7 +3929,7 @@
           <a:p>
             <a:fld id="{F1448CDA-63FB-4561-9C89-AA3737201AB4}" type="slidenum">
               <a:rPr lang="pt-BR" smtClean="0"/>
-              <a:t>‹nº›</a:t>
+              <a:t>‹#›</a:t>
             </a:fld>
             <a:endParaRPr lang="pt-BR"/>
           </a:p>
@@ -2202,10 +3986,9 @@
           <a:lstStyle/>
           <a:p>
             <a:r>
-              <a:rPr lang="pt-BR" smtClean="0"/>
+              <a:rPr lang="pt-BR"/>
               <a:t>Clique para editar o título mestre</a:t>
             </a:r>
-            <a:endParaRPr lang="pt-BR"/>
           </a:p>
         </p:txBody>
       </p:sp>
@@ -2268,7 +4051,7 @@
           <a:p>
             <a:pPr lvl="0"/>
             <a:r>
-              <a:rPr lang="pt-BR" smtClean="0"/>
+              <a:rPr lang="pt-BR"/>
               <a:t>Editar estilos de texto Mestre</a:t>
             </a:r>
           </a:p>
@@ -2296,38 +4079,37 @@
           <a:p>
             <a:pPr lvl="0"/>
             <a:r>
-              <a:rPr lang="pt-BR" smtClean="0"/>
+              <a:rPr lang="pt-BR"/>
               <a:t>Editar estilos de texto Mestre</a:t>
             </a:r>
           </a:p>
           <a:p>
             <a:pPr lvl="1"/>
             <a:r>
-              <a:rPr lang="pt-BR" smtClean="0"/>
+              <a:rPr lang="pt-BR"/>
               <a:t>Segundo nível</a:t>
             </a:r>
           </a:p>
           <a:p>
             <a:pPr lvl="2"/>
             <a:r>
-              <a:rPr lang="pt-BR" smtClean="0"/>
+              <a:rPr lang="pt-BR"/>
               <a:t>Terceiro nível</a:t>
             </a:r>
           </a:p>
           <a:p>
             <a:pPr lvl="3"/>
             <a:r>
-              <a:rPr lang="pt-BR" smtClean="0"/>
+              <a:rPr lang="pt-BR"/>
               <a:t>Quarto nível</a:t>
             </a:r>
           </a:p>
           <a:p>
             <a:pPr lvl="4"/>
             <a:r>
-              <a:rPr lang="pt-BR" smtClean="0"/>
+              <a:rPr lang="pt-BR"/>
               <a:t>Quinto nível</a:t>
             </a:r>
-            <a:endParaRPr lang="pt-BR"/>
           </a:p>
         </p:txBody>
       </p:sp>
@@ -2390,7 +4172,7 @@
           <a:p>
             <a:pPr lvl="0"/>
             <a:r>
-              <a:rPr lang="pt-BR" smtClean="0"/>
+              <a:rPr lang="pt-BR"/>
               <a:t>Editar estilos de texto Mestre</a:t>
             </a:r>
           </a:p>
@@ -2418,38 +4200,37 @@
           <a:p>
             <a:pPr lvl="0"/>
             <a:r>
-              <a:rPr lang="pt-BR" smtClean="0"/>
+              <a:rPr lang="pt-BR"/>
               <a:t>Editar estilos de texto Mestre</a:t>
             </a:r>
           </a:p>
           <a:p>
             <a:pPr lvl="1"/>
             <a:r>
-              <a:rPr lang="pt-BR" smtClean="0"/>
+              <a:rPr lang="pt-BR"/>
               <a:t>Segundo nível</a:t>
             </a:r>
           </a:p>
           <a:p>
             <a:pPr lvl="2"/>
             <a:r>
-              <a:rPr lang="pt-BR" smtClean="0"/>
+              <a:rPr lang="pt-BR"/>
               <a:t>Terceiro nível</a:t>
             </a:r>
           </a:p>
           <a:p>
             <a:pPr lvl="3"/>
             <a:r>
-              <a:rPr lang="pt-BR" smtClean="0"/>
+              <a:rPr lang="pt-BR"/>
               <a:t>Quarto nível</a:t>
             </a:r>
           </a:p>
           <a:p>
             <a:pPr lvl="4"/>
             <a:r>
-              <a:rPr lang="pt-BR" smtClean="0"/>
+              <a:rPr lang="pt-BR"/>
               <a:t>Quinto nível</a:t>
             </a:r>
-            <a:endParaRPr lang="pt-BR"/>
           </a:p>
         </p:txBody>
       </p:sp>
@@ -2470,7 +4251,7 @@
           <a:p>
             <a:fld id="{6E28C31E-E52A-4795-8BEB-BF62D4D9B2E6}" type="datetimeFigureOut">
               <a:rPr lang="pt-BR" smtClean="0"/>
-              <a:t>26/02/2018</a:t>
+              <a:t>31/01/2019</a:t>
             </a:fld>
             <a:endParaRPr lang="pt-BR"/>
           </a:p>
@@ -2512,7 +4293,7 @@
           <a:p>
             <a:fld id="{F1448CDA-63FB-4561-9C89-AA3737201AB4}" type="slidenum">
               <a:rPr lang="pt-BR" smtClean="0"/>
-              <a:t>‹nº›</a:t>
+              <a:t>‹#›</a:t>
             </a:fld>
             <a:endParaRPr lang="pt-BR"/>
           </a:p>
@@ -2564,10 +4345,9 @@
           <a:lstStyle/>
           <a:p>
             <a:r>
-              <a:rPr lang="pt-BR" smtClean="0"/>
+              <a:rPr lang="pt-BR"/>
               <a:t>Clique para editar o título mestre</a:t>
             </a:r>
-            <a:endParaRPr lang="pt-BR"/>
           </a:p>
         </p:txBody>
       </p:sp>
@@ -2588,7 +4368,7 @@
           <a:p>
             <a:fld id="{6E28C31E-E52A-4795-8BEB-BF62D4D9B2E6}" type="datetimeFigureOut">
               <a:rPr lang="pt-BR" smtClean="0"/>
-              <a:t>26/02/2018</a:t>
+              <a:t>31/01/2019</a:t>
             </a:fld>
             <a:endParaRPr lang="pt-BR"/>
           </a:p>
@@ -2630,7 +4410,7 @@
           <a:p>
             <a:fld id="{F1448CDA-63FB-4561-9C89-AA3737201AB4}" type="slidenum">
               <a:rPr lang="pt-BR" smtClean="0"/>
-              <a:t>‹nº›</a:t>
+              <a:t>‹#›</a:t>
             </a:fld>
             <a:endParaRPr lang="pt-BR"/>
           </a:p>
@@ -2683,7 +4463,7 @@
           <a:p>
             <a:fld id="{6E28C31E-E52A-4795-8BEB-BF62D4D9B2E6}" type="datetimeFigureOut">
               <a:rPr lang="pt-BR" smtClean="0"/>
-              <a:t>26/02/2018</a:t>
+              <a:t>31/01/2019</a:t>
             </a:fld>
             <a:endParaRPr lang="pt-BR"/>
           </a:p>
@@ -2725,7 +4505,7 @@
           <a:p>
             <a:fld id="{F1448CDA-63FB-4561-9C89-AA3737201AB4}" type="slidenum">
               <a:rPr lang="pt-BR" smtClean="0"/>
-              <a:t>‹nº›</a:t>
+              <a:t>‹#›</a:t>
             </a:fld>
             <a:endParaRPr lang="pt-BR"/>
           </a:p>
@@ -2786,10 +4566,9 @@
           </a:lstStyle>
           <a:p>
             <a:r>
-              <a:rPr lang="pt-BR" smtClean="0"/>
+              <a:rPr lang="pt-BR"/>
               <a:t>Clique para editar o título mestre</a:t>
             </a:r>
-            <a:endParaRPr lang="pt-BR"/>
           </a:p>
         </p:txBody>
       </p:sp>
@@ -2843,38 +4622,37 @@
           <a:p>
             <a:pPr lvl="0"/>
             <a:r>
-              <a:rPr lang="pt-BR" smtClean="0"/>
+              <a:rPr lang="pt-BR"/>
               <a:t>Editar estilos de texto Mestre</a:t>
             </a:r>
           </a:p>
           <a:p>
             <a:pPr lvl="1"/>
             <a:r>
-              <a:rPr lang="pt-BR" smtClean="0"/>
+              <a:rPr lang="pt-BR"/>
               <a:t>Segundo nível</a:t>
             </a:r>
           </a:p>
           <a:p>
             <a:pPr lvl="2"/>
             <a:r>
-              <a:rPr lang="pt-BR" smtClean="0"/>
+              <a:rPr lang="pt-BR"/>
               <a:t>Terceiro nível</a:t>
             </a:r>
           </a:p>
           <a:p>
             <a:pPr lvl="3"/>
             <a:r>
-              <a:rPr lang="pt-BR" smtClean="0"/>
+              <a:rPr lang="pt-BR"/>
               <a:t>Quarto nível</a:t>
             </a:r>
           </a:p>
           <a:p>
             <a:pPr lvl="4"/>
             <a:r>
-              <a:rPr lang="pt-BR" smtClean="0"/>
+              <a:rPr lang="pt-BR"/>
               <a:t>Quinto nível</a:t>
             </a:r>
-            <a:endParaRPr lang="pt-BR"/>
           </a:p>
         </p:txBody>
       </p:sp>
@@ -2937,7 +4715,7 @@
           <a:p>
             <a:pPr lvl="0"/>
             <a:r>
-              <a:rPr lang="pt-BR" smtClean="0"/>
+              <a:rPr lang="pt-BR"/>
               <a:t>Editar estilos de texto Mestre</a:t>
             </a:r>
           </a:p>
@@ -2960,7 +4738,7 @@
           <a:p>
             <a:fld id="{6E28C31E-E52A-4795-8BEB-BF62D4D9B2E6}" type="datetimeFigureOut">
               <a:rPr lang="pt-BR" smtClean="0"/>
-              <a:t>26/02/2018</a:t>
+              <a:t>31/01/2019</a:t>
             </a:fld>
             <a:endParaRPr lang="pt-BR"/>
           </a:p>
@@ -3002,7 +4780,7 @@
           <a:p>
             <a:fld id="{F1448CDA-63FB-4561-9C89-AA3737201AB4}" type="slidenum">
               <a:rPr lang="pt-BR" smtClean="0"/>
-              <a:t>‹nº›</a:t>
+              <a:t>‹#›</a:t>
             </a:fld>
             <a:endParaRPr lang="pt-BR"/>
           </a:p>
@@ -3063,10 +4841,9 @@
           </a:lstStyle>
           <a:p>
             <a:r>
-              <a:rPr lang="pt-BR" smtClean="0"/>
+              <a:rPr lang="pt-BR"/>
               <a:t>Clique para editar o título mestre</a:t>
             </a:r>
-            <a:endParaRPr lang="pt-BR"/>
           </a:p>
         </p:txBody>
       </p:sp>
@@ -3190,7 +4967,7 @@
           <a:p>
             <a:pPr lvl="0"/>
             <a:r>
-              <a:rPr lang="pt-BR" smtClean="0"/>
+              <a:rPr lang="pt-BR"/>
               <a:t>Editar estilos de texto Mestre</a:t>
             </a:r>
           </a:p>
@@ -3213,7 +4990,7 @@
           <a:p>
             <a:fld id="{6E28C31E-E52A-4795-8BEB-BF62D4D9B2E6}" type="datetimeFigureOut">
               <a:rPr lang="pt-BR" smtClean="0"/>
-              <a:t>26/02/2018</a:t>
+              <a:t>31/01/2019</a:t>
             </a:fld>
             <a:endParaRPr lang="pt-BR"/>
           </a:p>
@@ -3255,7 +5032,7 @@
           <a:p>
             <a:fld id="{F1448CDA-63FB-4561-9C89-AA3737201AB4}" type="slidenum">
               <a:rPr lang="pt-BR" smtClean="0"/>
-              <a:t>‹nº›</a:t>
+              <a:t>‹#›</a:t>
             </a:fld>
             <a:endParaRPr lang="pt-BR"/>
           </a:p>
@@ -3322,10 +5099,9 @@
           <a:lstStyle/>
           <a:p>
             <a:r>
-              <a:rPr lang="pt-BR" smtClean="0"/>
+              <a:rPr lang="pt-BR"/>
               <a:t>Clique para editar o título mestre</a:t>
             </a:r>
-            <a:endParaRPr lang="pt-BR"/>
           </a:p>
         </p:txBody>
       </p:sp>
@@ -3356,38 +5132,37 @@
           <a:p>
             <a:pPr lvl="0"/>
             <a:r>
-              <a:rPr lang="pt-BR" smtClean="0"/>
+              <a:rPr lang="pt-BR"/>
               <a:t>Editar estilos de texto Mestre</a:t>
             </a:r>
           </a:p>
           <a:p>
             <a:pPr lvl="1"/>
             <a:r>
-              <a:rPr lang="pt-BR" smtClean="0"/>
+              <a:rPr lang="pt-BR"/>
               <a:t>Segundo nível</a:t>
             </a:r>
           </a:p>
           <a:p>
             <a:pPr lvl="2"/>
             <a:r>
-              <a:rPr lang="pt-BR" smtClean="0"/>
+              <a:rPr lang="pt-BR"/>
               <a:t>Terceiro nível</a:t>
             </a:r>
           </a:p>
           <a:p>
             <a:pPr lvl="3"/>
             <a:r>
-              <a:rPr lang="pt-BR" smtClean="0"/>
+              <a:rPr lang="pt-BR"/>
               <a:t>Quarto nível</a:t>
             </a:r>
           </a:p>
           <a:p>
             <a:pPr lvl="4"/>
             <a:r>
-              <a:rPr lang="pt-BR" smtClean="0"/>
+              <a:rPr lang="pt-BR"/>
               <a:t>Quinto nível</a:t>
             </a:r>
-            <a:endParaRPr lang="pt-BR"/>
           </a:p>
         </p:txBody>
       </p:sp>
@@ -3426,7 +5201,7 @@
           <a:p>
             <a:fld id="{6E28C31E-E52A-4795-8BEB-BF62D4D9B2E6}" type="datetimeFigureOut">
               <a:rPr lang="pt-BR" smtClean="0"/>
-              <a:t>26/02/2018</a:t>
+              <a:t>31/01/2019</a:t>
             </a:fld>
             <a:endParaRPr lang="pt-BR"/>
           </a:p>
@@ -3504,7 +5279,7 @@
           <a:p>
             <a:fld id="{F1448CDA-63FB-4561-9C89-AA3737201AB4}" type="slidenum">
               <a:rPr lang="pt-BR" smtClean="0"/>
-              <a:t>‹nº›</a:t>
+              <a:t>‹#›</a:t>
             </a:fld>
             <a:endParaRPr lang="pt-BR"/>
           </a:p>
@@ -3847,10 +5622,9 @@
           <a:lstStyle/>
           <a:p>
             <a:r>
-              <a:rPr lang="pt-BR" dirty="0" smtClean="0"/>
+              <a:rPr lang="pt-BR" dirty="0"/>
               <a:t>Desenvolvimento para dispositivos móveis</a:t>
             </a:r>
-            <a:endParaRPr lang="pt-BR" dirty="0"/>
           </a:p>
         </p:txBody>
       </p:sp>
@@ -3900,10 +5674,9 @@
           <a:lstStyle/>
           <a:p>
             <a:r>
-              <a:rPr lang="pt-BR" dirty="0" smtClean="0"/>
+              <a:rPr lang="pt-BR" dirty="0"/>
               <a:t>Conceito</a:t>
             </a:r>
-            <a:endParaRPr lang="pt-BR" dirty="0"/>
           </a:p>
         </p:txBody>
       </p:sp>
@@ -3919,14 +5692,15 @@
         </p:nvSpPr>
         <p:spPr/>
         <p:txBody>
-          <a:bodyPr/>
-          <a:lstStyle/>
-          <a:p>
-            <a:r>
-              <a:rPr lang="pt-BR" dirty="0" smtClean="0"/>
+          <a:bodyPr>
+            <a:normAutofit/>
+          </a:bodyPr>
+          <a:lstStyle/>
+          <a:p>
+            <a:r>
+              <a:rPr lang="pt-BR" sz="3600" dirty="0"/>
               <a:t>Dispositivo móvel: dispositivo com poder computacional, de uso individual, cujo tamanho físico permita que o mesmo possa ser utilizado em movimento.</a:t>
             </a:r>
-            <a:endParaRPr lang="pt-BR" dirty="0"/>
           </a:p>
         </p:txBody>
       </p:sp>
@@ -3981,11 +5755,11 @@
           <a:lstStyle/>
           <a:p>
             <a:r>
-              <a:rPr lang="pt-BR" dirty="0" smtClean="0"/>
+              <a:rPr lang="pt-BR" dirty="0"/>
               <a:t>Market </a:t>
             </a:r>
             <a:r>
-              <a:rPr lang="pt-BR" dirty="0" err="1" smtClean="0"/>
+              <a:rPr lang="pt-BR" dirty="0" err="1"/>
               <a:t>Share</a:t>
             </a:r>
             <a:endParaRPr lang="pt-BR" dirty="0"/>
@@ -4014,10 +5788,141 @@
           </a:graphicData>
         </a:graphic>
       </p:graphicFrame>
+      <p:graphicFrame>
+        <p:nvGraphicFramePr>
+          <p:cNvPr id="4" name="Chart 3">
+            <a:extLst>
+              <a:ext uri="{FF2B5EF4-FFF2-40B4-BE49-F238E27FC236}">
+                <a16:creationId xmlns:a16="http://schemas.microsoft.com/office/drawing/2014/main" id="{076D55E5-6343-4131-8072-7E7C61FD64BF}"/>
+              </a:ext>
+            </a:extLst>
+          </p:cNvPr>
+          <p:cNvGraphicFramePr>
+            <a:graphicFrameLocks/>
+          </p:cNvGraphicFramePr>
+          <p:nvPr>
+            <p:extLst>
+              <p:ext uri="{D42A27DB-BD31-4B8C-83A1-F6EECF244321}">
+                <p14:modId xmlns:p14="http://schemas.microsoft.com/office/powerpoint/2010/main" val="3339824791"/>
+              </p:ext>
+            </p:extLst>
+          </p:nvPr>
+        </p:nvGraphicFramePr>
+        <p:xfrm>
+          <a:off x="1402723" y="720561"/>
+          <a:ext cx="9578938" cy="5772313"/>
+        </p:xfrm>
+        <a:graphic>
+          <a:graphicData uri="http://schemas.openxmlformats.org/drawingml/2006/chart">
+            <c:chart xmlns:c="http://schemas.openxmlformats.org/drawingml/2006/chart" xmlns:r="http://schemas.openxmlformats.org/officeDocument/2006/relationships" r:id="rId3"/>
+          </a:graphicData>
+        </a:graphic>
+      </p:graphicFrame>
     </p:spTree>
     <p:extLst>
       <p:ext uri="{BB962C8B-B14F-4D97-AF65-F5344CB8AC3E}">
         <p14:creationId xmlns:p14="http://schemas.microsoft.com/office/powerpoint/2010/main" val="4232258322"/>
+      </p:ext>
+    </p:extLst>
+  </p:cSld>
+  <p:clrMapOvr>
+    <a:masterClrMapping/>
+  </p:clrMapOvr>
+</p:sld>
+</file>
+
+<file path=ppt/slides/slide4.xml><?xml version="1.0" encoding="utf-8"?>
+<p:sld xmlns:a="http://schemas.openxmlformats.org/drawingml/2006/main" xmlns:r="http://schemas.openxmlformats.org/officeDocument/2006/relationships" xmlns:p="http://schemas.openxmlformats.org/presentationml/2006/main">
+  <p:cSld>
+    <p:spTree>
+      <p:nvGrpSpPr>
+        <p:cNvPr id="1" name=""/>
+        <p:cNvGrpSpPr/>
+        <p:nvPr/>
+      </p:nvGrpSpPr>
+      <p:grpSpPr>
+        <a:xfrm>
+          <a:off x="0" y="0"/>
+          <a:ext cx="0" cy="0"/>
+          <a:chOff x="0" y="0"/>
+          <a:chExt cx="0" cy="0"/>
+        </a:xfrm>
+      </p:grpSpPr>
+      <p:sp>
+        <p:nvSpPr>
+          <p:cNvPr id="2" name="Title 1">
+            <a:extLst>
+              <a:ext uri="{FF2B5EF4-FFF2-40B4-BE49-F238E27FC236}">
+                <a16:creationId xmlns:a16="http://schemas.microsoft.com/office/drawing/2014/main" id="{E93DB98A-B2FB-416A-AD8E-05E5A31500E3}"/>
+              </a:ext>
+            </a:extLst>
+          </p:cNvPr>
+          <p:cNvSpPr>
+            <a:spLocks noGrp="1"/>
+          </p:cNvSpPr>
+          <p:nvPr>
+            <p:ph type="title"/>
+          </p:nvPr>
+        </p:nvSpPr>
+        <p:spPr/>
+        <p:txBody>
+          <a:bodyPr/>
+          <a:lstStyle/>
+          <a:p>
+            <a:r>
+              <a:rPr lang="pt-BR" dirty="0"/>
+              <a:t>Market </a:t>
+            </a:r>
+            <a:r>
+              <a:rPr lang="pt-BR" dirty="0" err="1"/>
+              <a:t>Share</a:t>
+            </a:r>
+            <a:r>
+              <a:rPr lang="pt-BR" dirty="0"/>
+              <a:t> </a:t>
+            </a:r>
+            <a:r>
+              <a:rPr lang="pt-BR" dirty="0" err="1"/>
+              <a:t>Brazil</a:t>
+            </a:r>
+            <a:endParaRPr lang="pt-BR" dirty="0"/>
+          </a:p>
+        </p:txBody>
+      </p:sp>
+      <p:graphicFrame>
+        <p:nvGraphicFramePr>
+          <p:cNvPr id="4" name="Chart 3">
+            <a:extLst>
+              <a:ext uri="{FF2B5EF4-FFF2-40B4-BE49-F238E27FC236}">
+                <a16:creationId xmlns:a16="http://schemas.microsoft.com/office/drawing/2014/main" id="{076D55E5-6343-4131-8072-7E7C61FD64BF}"/>
+              </a:ext>
+            </a:extLst>
+          </p:cNvPr>
+          <p:cNvGraphicFramePr>
+            <a:graphicFrameLocks/>
+          </p:cNvGraphicFramePr>
+          <p:nvPr>
+            <p:extLst>
+              <p:ext uri="{D42A27DB-BD31-4B8C-83A1-F6EECF244321}">
+                <p14:modId xmlns:p14="http://schemas.microsoft.com/office/powerpoint/2010/main" val="2959712193"/>
+              </p:ext>
+            </p:extLst>
+          </p:nvPr>
+        </p:nvGraphicFramePr>
+        <p:xfrm>
+          <a:off x="2098548" y="1176762"/>
+          <a:ext cx="9086903" cy="5533232"/>
+        </p:xfrm>
+        <a:graphic>
+          <a:graphicData uri="http://schemas.openxmlformats.org/drawingml/2006/chart">
+            <c:chart xmlns:c="http://schemas.openxmlformats.org/drawingml/2006/chart" xmlns:r="http://schemas.openxmlformats.org/officeDocument/2006/relationships" r:id="rId2"/>
+          </a:graphicData>
+        </a:graphic>
+      </p:graphicFrame>
+    </p:spTree>
+    <p:extLst>
+      <p:ext uri="{BB962C8B-B14F-4D97-AF65-F5344CB8AC3E}">
+        <p14:creationId xmlns:p14="http://schemas.microsoft.com/office/powerpoint/2010/main" val="4047153006"/>
       </p:ext>
     </p:extLst>
   </p:cSld>
